--- a/2 Business Analytics - Kamna Mam/ER Model/Practice Questions.pptx
+++ b/2 Business Analytics - Kamna Mam/ER Model/Practice Questions.pptx
@@ -9,7 +9,6 @@
     <p:sldId id="257" r:id="rId3"/>
     <p:sldId id="260" r:id="rId4"/>
     <p:sldId id="261" r:id="rId5"/>
-    <p:sldId id="262" r:id="rId6"/>
   </p:sldIdLst>
   <p:sldSz cx="12192000" cy="6858000"/>
   <p:notesSz cx="6858000" cy="9144000"/>
@@ -5203,13 +5202,13 @@
           <a:p>
             <a:pPr algn="ctr"/>
             <a:r>
-              <a:rPr lang="en-US" sz="1000" dirty="0">
+              <a:rPr lang="en-US" sz="1100" dirty="0">
                 <a:latin typeface="Poppins" panose="00000500000000000000" pitchFamily="2" charset="0"/>
                 <a:cs typeface="Poppins" panose="00000500000000000000" pitchFamily="2" charset="0"/>
               </a:rPr>
               <a:t>Health Insurance Policy</a:t>
             </a:r>
-            <a:endParaRPr lang="en-IN" sz="1000" dirty="0">
+            <a:endParaRPr lang="en-IN" sz="1100" dirty="0">
               <a:latin typeface="Poppins" panose="00000500000000000000" pitchFamily="2" charset="0"/>
               <a:cs typeface="Poppins" panose="00000500000000000000" pitchFamily="2" charset="0"/>
             </a:endParaRPr>
@@ -5262,13 +5261,13 @@
           <a:p>
             <a:pPr algn="ctr"/>
             <a:r>
-              <a:rPr lang="en-US" sz="1000" dirty="0">
+              <a:rPr lang="en-US" sz="1100" dirty="0">
                 <a:latin typeface="Poppins" panose="00000500000000000000" pitchFamily="2" charset="0"/>
                 <a:cs typeface="Poppins" panose="00000500000000000000" pitchFamily="2" charset="0"/>
               </a:rPr>
               <a:t>ICU</a:t>
             </a:r>
-            <a:endParaRPr lang="en-IN" sz="1000" dirty="0">
+            <a:endParaRPr lang="en-IN" sz="1100" dirty="0">
               <a:latin typeface="Poppins" panose="00000500000000000000" pitchFamily="2" charset="0"/>
               <a:cs typeface="Poppins" panose="00000500000000000000" pitchFamily="2" charset="0"/>
             </a:endParaRPr>
@@ -5321,13 +5320,13 @@
           <a:p>
             <a:pPr algn="ctr"/>
             <a:r>
-              <a:rPr lang="en-US" sz="1000" dirty="0">
+              <a:rPr lang="en-US" sz="1100" dirty="0">
                 <a:latin typeface="Poppins" panose="00000500000000000000" pitchFamily="2" charset="0"/>
                 <a:cs typeface="Poppins" panose="00000500000000000000" pitchFamily="2" charset="0"/>
               </a:rPr>
               <a:t>Patient</a:t>
             </a:r>
-            <a:endParaRPr lang="en-IN" sz="1000" dirty="0">
+            <a:endParaRPr lang="en-IN" sz="1100" dirty="0">
               <a:latin typeface="Poppins" panose="00000500000000000000" pitchFamily="2" charset="0"/>
               <a:cs typeface="Poppins" panose="00000500000000000000" pitchFamily="2" charset="0"/>
             </a:endParaRPr>
@@ -5380,13 +5379,13 @@
           <a:p>
             <a:pPr algn="ctr"/>
             <a:r>
-              <a:rPr lang="en-US" sz="1000" dirty="0">
+              <a:rPr lang="en-US" sz="1100" dirty="0">
                 <a:latin typeface="Poppins" panose="00000500000000000000" pitchFamily="2" charset="0"/>
                 <a:cs typeface="Poppins" panose="00000500000000000000" pitchFamily="2" charset="0"/>
               </a:rPr>
               <a:t>Transaction</a:t>
             </a:r>
-            <a:endParaRPr lang="en-IN" sz="1000" dirty="0">
+            <a:endParaRPr lang="en-IN" sz="1100" dirty="0">
               <a:latin typeface="Poppins" panose="00000500000000000000" pitchFamily="2" charset="0"/>
               <a:cs typeface="Poppins" panose="00000500000000000000" pitchFamily="2" charset="0"/>
             </a:endParaRPr>
@@ -5439,10 +5438,10 @@
           <a:p>
             <a:pPr algn="ctr"/>
             <a:r>
-              <a:rPr lang="en-US" sz="1000" dirty="0"/>
+              <a:rPr lang="en-US" sz="1100" dirty="0"/>
               <a:t>Admitted To</a:t>
             </a:r>
-            <a:endParaRPr lang="en-IN" sz="1000" dirty="0"/>
+            <a:endParaRPr lang="en-IN" sz="1100" dirty="0"/>
           </a:p>
         </p:txBody>
       </p:sp>
@@ -5492,10 +5491,10 @@
           <a:p>
             <a:pPr algn="ctr"/>
             <a:r>
-              <a:rPr lang="en-US" sz="1000" dirty="0"/>
+              <a:rPr lang="en-US" sz="1100" dirty="0"/>
               <a:t>Covered By</a:t>
             </a:r>
-            <a:endParaRPr lang="en-IN" sz="1000" dirty="0"/>
+            <a:endParaRPr lang="en-IN" sz="1100" dirty="0"/>
           </a:p>
         </p:txBody>
       </p:sp>
@@ -5545,10 +5544,10 @@
           <a:p>
             <a:pPr algn="ctr"/>
             <a:r>
-              <a:rPr lang="en-US" sz="1000" dirty="0"/>
+              <a:rPr lang="en-US" sz="1100" dirty="0"/>
               <a:t>Pays</a:t>
             </a:r>
-            <a:endParaRPr lang="en-IN" sz="1000" dirty="0"/>
+            <a:endParaRPr lang="en-IN" sz="1100" dirty="0"/>
           </a:p>
         </p:txBody>
       </p:sp>
@@ -5635,16 +5634,22 @@
           <a:p>
             <a:pPr algn="ctr"/>
             <a:r>
-              <a:rPr lang="en-US" sz="1000" dirty="0">
+              <a:rPr lang="en-IN" sz="1100" dirty="0">
                 <a:latin typeface="Poppins" panose="00000500000000000000" pitchFamily="2" charset="0"/>
                 <a:cs typeface="Poppins" panose="00000500000000000000" pitchFamily="2" charset="0"/>
               </a:rPr>
-              <a:t>Name</a:t>
-            </a:r>
-            <a:endParaRPr lang="en-IN" sz="1000" dirty="0">
-              <a:latin typeface="Poppins" panose="00000500000000000000" pitchFamily="2" charset="0"/>
-              <a:cs typeface="Poppins" panose="00000500000000000000" pitchFamily="2" charset="0"/>
-            </a:endParaRPr>
+              <a:t>Patient</a:t>
+            </a:r>
+          </a:p>
+          <a:p>
+            <a:pPr algn="ctr"/>
+            <a:r>
+              <a:rPr lang="en-IN" sz="1100" dirty="0">
+                <a:latin typeface="Poppins" panose="00000500000000000000" pitchFamily="2" charset="0"/>
+                <a:cs typeface="Poppins" panose="00000500000000000000" pitchFamily="2" charset="0"/>
+              </a:rPr>
+              <a:t>ID</a:t>
+            </a:r>
           </a:p>
         </p:txBody>
       </p:sp>
@@ -5862,7 +5867,7 @@
         </p:nvSpPr>
         <p:spPr>
           <a:xfrm>
-            <a:off x="1259840" y="2279215"/>
+            <a:off x="1122017" y="2146365"/>
             <a:ext cx="1275465" cy="677956"/>
           </a:xfrm>
           <a:prstGeom prst="ellipse">
@@ -5891,7 +5896,63 @@
           <a:p>
             <a:pPr algn="ctr"/>
             <a:r>
-              <a:rPr lang="en-US" sz="1000" dirty="0">
+              <a:rPr lang="en-US" sz="1100" dirty="0">
+                <a:latin typeface="Poppins" panose="00000500000000000000" pitchFamily="2" charset="0"/>
+                <a:cs typeface="Poppins" panose="00000500000000000000" pitchFamily="2" charset="0"/>
+              </a:rPr>
+              <a:t>Name</a:t>
+            </a:r>
+            <a:endParaRPr lang="en-IN" sz="1100" dirty="0">
+              <a:latin typeface="Poppins" panose="00000500000000000000" pitchFamily="2" charset="0"/>
+              <a:cs typeface="Poppins" panose="00000500000000000000" pitchFamily="2" charset="0"/>
+            </a:endParaRPr>
+          </a:p>
+        </p:txBody>
+      </p:sp>
+      <p:sp>
+        <p:nvSpPr>
+          <p:cNvPr id="4" name="Oval 3">
+            <a:extLst>
+              <a:ext uri="{FF2B5EF4-FFF2-40B4-BE49-F238E27FC236}">
+                <a16:creationId xmlns:a16="http://schemas.microsoft.com/office/drawing/2014/main" id="{C742DF8D-FF2B-5128-FBC2-8B0D0DA89988}"/>
+              </a:ext>
+            </a:extLst>
+          </p:cNvPr>
+          <p:cNvSpPr/>
+          <p:nvPr/>
+        </p:nvSpPr>
+        <p:spPr>
+          <a:xfrm>
+            <a:off x="209491" y="4650900"/>
+            <a:ext cx="1275465" cy="677956"/>
+          </a:xfrm>
+          <a:prstGeom prst="ellipse">
+            <a:avLst/>
+          </a:prstGeom>
+        </p:spPr>
+        <p:style>
+          <a:lnRef idx="2">
+            <a:schemeClr val="accent1">
+              <a:shade val="15000"/>
+            </a:schemeClr>
+          </a:lnRef>
+          <a:fillRef idx="1">
+            <a:schemeClr val="accent1"/>
+          </a:fillRef>
+          <a:effectRef idx="0">
+            <a:schemeClr val="accent1"/>
+          </a:effectRef>
+          <a:fontRef idx="minor">
+            <a:schemeClr val="lt1"/>
+          </a:fontRef>
+        </p:style>
+        <p:txBody>
+          <a:bodyPr rtlCol="0" anchor="ctr"/>
+          <a:lstStyle/>
+          <a:p>
+            <a:pPr algn="ctr"/>
+            <a:r>
+              <a:rPr lang="en-US" sz="1100" dirty="0">
                 <a:latin typeface="Poppins" panose="00000500000000000000" pitchFamily="2" charset="0"/>
                 <a:cs typeface="Poppins" panose="00000500000000000000" pitchFamily="2" charset="0"/>
               </a:rPr>
@@ -5901,13 +5962,13 @@
           <a:p>
             <a:pPr algn="ctr"/>
             <a:r>
-              <a:rPr lang="en-US" sz="1000" dirty="0">
+              <a:rPr lang="en-US" sz="1100" dirty="0">
                 <a:latin typeface="Poppins" panose="00000500000000000000" pitchFamily="2" charset="0"/>
                 <a:cs typeface="Poppins" panose="00000500000000000000" pitchFamily="2" charset="0"/>
               </a:rPr>
               <a:t>Group</a:t>
             </a:r>
-            <a:endParaRPr lang="en-IN" sz="1000" dirty="0">
+            <a:endParaRPr lang="en-IN" sz="1100" dirty="0">
               <a:latin typeface="Poppins" panose="00000500000000000000" pitchFamily="2" charset="0"/>
               <a:cs typeface="Poppins" panose="00000500000000000000" pitchFamily="2" charset="0"/>
             </a:endParaRPr>
@@ -5916,10 +5977,10 @@
       </p:sp>
       <p:sp>
         <p:nvSpPr>
-          <p:cNvPr id="4" name="Oval 3">
-            <a:extLst>
-              <a:ext uri="{FF2B5EF4-FFF2-40B4-BE49-F238E27FC236}">
-                <a16:creationId xmlns:a16="http://schemas.microsoft.com/office/drawing/2014/main" id="{C742DF8D-FF2B-5128-FBC2-8B0D0DA89988}"/>
+          <p:cNvPr id="5" name="Oval 4">
+            <a:extLst>
+              <a:ext uri="{FF2B5EF4-FFF2-40B4-BE49-F238E27FC236}">
+                <a16:creationId xmlns:a16="http://schemas.microsoft.com/office/drawing/2014/main" id="{0C539970-A5F6-1377-E591-3199BB163655}"/>
               </a:ext>
             </a:extLst>
           </p:cNvPr>
@@ -5928,7 +5989,7 @@
         </p:nvSpPr>
         <p:spPr>
           <a:xfrm>
-            <a:off x="209491" y="4650900"/>
+            <a:off x="1122017" y="4033680"/>
             <a:ext cx="1275465" cy="677956"/>
           </a:xfrm>
           <a:prstGeom prst="ellipse">
@@ -5957,13 +6018,13 @@
           <a:p>
             <a:pPr algn="ctr"/>
             <a:r>
-              <a:rPr lang="en-US" sz="1000" dirty="0">
+              <a:rPr lang="en-US" sz="1100" dirty="0">
                 <a:latin typeface="Poppins" panose="00000500000000000000" pitchFamily="2" charset="0"/>
                 <a:cs typeface="Poppins" panose="00000500000000000000" pitchFamily="2" charset="0"/>
               </a:rPr>
-              <a:t>Phone</a:t>
-            </a:r>
-            <a:endParaRPr lang="en-IN" sz="1000" dirty="0">
+              <a:t>Gender</a:t>
+            </a:r>
+            <a:endParaRPr lang="en-IN" sz="1100" dirty="0">
               <a:latin typeface="Poppins" panose="00000500000000000000" pitchFamily="2" charset="0"/>
               <a:cs typeface="Poppins" panose="00000500000000000000" pitchFamily="2" charset="0"/>
             </a:endParaRPr>
@@ -5972,10 +6033,10 @@
       </p:sp>
       <p:sp>
         <p:nvSpPr>
-          <p:cNvPr id="5" name="Oval 4">
-            <a:extLst>
-              <a:ext uri="{FF2B5EF4-FFF2-40B4-BE49-F238E27FC236}">
-                <a16:creationId xmlns:a16="http://schemas.microsoft.com/office/drawing/2014/main" id="{0C539970-A5F6-1377-E591-3199BB163655}"/>
+          <p:cNvPr id="6" name="Oval 5">
+            <a:extLst>
+              <a:ext uri="{FF2B5EF4-FFF2-40B4-BE49-F238E27FC236}">
+                <a16:creationId xmlns:a16="http://schemas.microsoft.com/office/drawing/2014/main" id="{94E7C96A-BAAF-841D-3B1F-5F7D0597AD23}"/>
               </a:ext>
             </a:extLst>
           </p:cNvPr>
@@ -5984,7 +6045,7 @@
         </p:nvSpPr>
         <p:spPr>
           <a:xfrm>
-            <a:off x="1259840" y="4033680"/>
+            <a:off x="3100398" y="1608991"/>
             <a:ext cx="1275465" cy="677956"/>
           </a:xfrm>
           <a:prstGeom prst="ellipse">
@@ -6013,25 +6074,31 @@
           <a:p>
             <a:pPr algn="ctr"/>
             <a:r>
-              <a:rPr lang="en-US" sz="1000" dirty="0" err="1">
+              <a:rPr lang="en-IN" sz="1100" dirty="0">
                 <a:latin typeface="Poppins" panose="00000500000000000000" pitchFamily="2" charset="0"/>
                 <a:cs typeface="Poppins" panose="00000500000000000000" pitchFamily="2" charset="0"/>
               </a:rPr>
-              <a:t>Addrees</a:t>
-            </a:r>
-            <a:endParaRPr lang="en-IN" sz="1000" dirty="0">
-              <a:latin typeface="Poppins" panose="00000500000000000000" pitchFamily="2" charset="0"/>
-              <a:cs typeface="Poppins" panose="00000500000000000000" pitchFamily="2" charset="0"/>
-            </a:endParaRPr>
-          </a:p>
-        </p:txBody>
-      </p:sp>
-      <p:sp>
-        <p:nvSpPr>
-          <p:cNvPr id="6" name="Oval 5">
-            <a:extLst>
-              <a:ext uri="{FF2B5EF4-FFF2-40B4-BE49-F238E27FC236}">
-                <a16:creationId xmlns:a16="http://schemas.microsoft.com/office/drawing/2014/main" id="{94E7C96A-BAAF-841D-3B1F-5F7D0597AD23}"/>
+              <a:t>ICU</a:t>
+            </a:r>
+          </a:p>
+          <a:p>
+            <a:pPr algn="ctr"/>
+            <a:r>
+              <a:rPr lang="en-IN" sz="1100" dirty="0">
+                <a:latin typeface="Poppins" panose="00000500000000000000" pitchFamily="2" charset="0"/>
+                <a:cs typeface="Poppins" panose="00000500000000000000" pitchFamily="2" charset="0"/>
+              </a:rPr>
+              <a:t>ID</a:t>
+            </a:r>
+          </a:p>
+        </p:txBody>
+      </p:sp>
+      <p:sp>
+        <p:nvSpPr>
+          <p:cNvPr id="7" name="Oval 6">
+            <a:extLst>
+              <a:ext uri="{FF2B5EF4-FFF2-40B4-BE49-F238E27FC236}">
+                <a16:creationId xmlns:a16="http://schemas.microsoft.com/office/drawing/2014/main" id="{821BD117-C65B-A990-0FC0-D5F06080C7CC}"/>
               </a:ext>
             </a:extLst>
           </p:cNvPr>
@@ -6040,7 +6107,7 @@
         </p:nvSpPr>
         <p:spPr>
           <a:xfrm>
-            <a:off x="3100399" y="1608991"/>
+            <a:off x="4646433" y="1608991"/>
             <a:ext cx="1275465" cy="677956"/>
           </a:xfrm>
           <a:prstGeom prst="ellipse">
@@ -6069,23 +6136,23 @@
           <a:p>
             <a:pPr algn="ctr"/>
             <a:r>
-              <a:rPr lang="en-US" sz="1000" dirty="0">
+              <a:rPr lang="en-US" sz="1100" dirty="0">
                 <a:latin typeface="Poppins" panose="00000500000000000000" pitchFamily="2" charset="0"/>
                 <a:cs typeface="Poppins" panose="00000500000000000000" pitchFamily="2" charset="0"/>
               </a:rPr>
-              <a:t>Blood </a:t>
+              <a:t>ICU</a:t>
             </a:r>
           </a:p>
           <a:p>
             <a:pPr algn="ctr"/>
             <a:r>
-              <a:rPr lang="en-US" sz="1000" dirty="0">
+              <a:rPr lang="en-US" sz="1100" dirty="0">
                 <a:latin typeface="Poppins" panose="00000500000000000000" pitchFamily="2" charset="0"/>
                 <a:cs typeface="Poppins" panose="00000500000000000000" pitchFamily="2" charset="0"/>
               </a:rPr>
-              <a:t>Group</a:t>
-            </a:r>
-            <a:endParaRPr lang="en-IN" sz="1000" dirty="0">
+              <a:t>NAME</a:t>
+            </a:r>
+            <a:endParaRPr lang="en-IN" sz="1100" dirty="0">
               <a:latin typeface="Poppins" panose="00000500000000000000" pitchFamily="2" charset="0"/>
               <a:cs typeface="Poppins" panose="00000500000000000000" pitchFamily="2" charset="0"/>
             </a:endParaRPr>
@@ -6094,10 +6161,10 @@
       </p:sp>
       <p:sp>
         <p:nvSpPr>
-          <p:cNvPr id="7" name="Oval 6">
-            <a:extLst>
-              <a:ext uri="{FF2B5EF4-FFF2-40B4-BE49-F238E27FC236}">
-                <a16:creationId xmlns:a16="http://schemas.microsoft.com/office/drawing/2014/main" id="{821BD117-C65B-A990-0FC0-D5F06080C7CC}"/>
+          <p:cNvPr id="8" name="Oval 7">
+            <a:extLst>
+              <a:ext uri="{FF2B5EF4-FFF2-40B4-BE49-F238E27FC236}">
+                <a16:creationId xmlns:a16="http://schemas.microsoft.com/office/drawing/2014/main" id="{371EB323-D5D9-87A7-0D64-02ADA1FF4ECE}"/>
               </a:ext>
             </a:extLst>
           </p:cNvPr>
@@ -6106,7 +6173,7 @@
         </p:nvSpPr>
         <p:spPr>
           <a:xfrm>
-            <a:off x="4646433" y="1608991"/>
+            <a:off x="3100398" y="4571053"/>
             <a:ext cx="1275465" cy="677956"/>
           </a:xfrm>
           <a:prstGeom prst="ellipse">
@@ -6135,23 +6202,13 @@
           <a:p>
             <a:pPr algn="ctr"/>
             <a:r>
-              <a:rPr lang="en-US" sz="1000" dirty="0">
+              <a:rPr lang="en-US" sz="1100" dirty="0">
                 <a:latin typeface="Poppins" panose="00000500000000000000" pitchFamily="2" charset="0"/>
                 <a:cs typeface="Poppins" panose="00000500000000000000" pitchFamily="2" charset="0"/>
               </a:rPr>
-              <a:t>Blood </a:t>
-            </a:r>
-          </a:p>
-          <a:p>
-            <a:pPr algn="ctr"/>
-            <a:r>
-              <a:rPr lang="en-US" sz="1000" dirty="0">
-                <a:latin typeface="Poppins" panose="00000500000000000000" pitchFamily="2" charset="0"/>
-                <a:cs typeface="Poppins" panose="00000500000000000000" pitchFamily="2" charset="0"/>
-              </a:rPr>
-              <a:t>Group</a:t>
-            </a:r>
-            <a:endParaRPr lang="en-IN" sz="1000" dirty="0">
+              <a:t>Doctor Count</a:t>
+            </a:r>
+            <a:endParaRPr lang="en-IN" sz="1100" dirty="0">
               <a:latin typeface="Poppins" panose="00000500000000000000" pitchFamily="2" charset="0"/>
               <a:cs typeface="Poppins" panose="00000500000000000000" pitchFamily="2" charset="0"/>
             </a:endParaRPr>
@@ -6160,10 +6217,10 @@
       </p:sp>
       <p:sp>
         <p:nvSpPr>
-          <p:cNvPr id="8" name="Oval 7">
-            <a:extLst>
-              <a:ext uri="{FF2B5EF4-FFF2-40B4-BE49-F238E27FC236}">
-                <a16:creationId xmlns:a16="http://schemas.microsoft.com/office/drawing/2014/main" id="{371EB323-D5D9-87A7-0D64-02ADA1FF4ECE}"/>
+          <p:cNvPr id="9" name="Oval 8">
+            <a:extLst>
+              <a:ext uri="{FF2B5EF4-FFF2-40B4-BE49-F238E27FC236}">
+                <a16:creationId xmlns:a16="http://schemas.microsoft.com/office/drawing/2014/main" id="{037FC7C5-F1EE-ECFC-F859-0D2820A407DB}"/>
               </a:ext>
             </a:extLst>
           </p:cNvPr>
@@ -6172,7 +6229,7 @@
         </p:nvSpPr>
         <p:spPr>
           <a:xfrm>
-            <a:off x="3100398" y="4571053"/>
+            <a:off x="4646432" y="4571053"/>
             <a:ext cx="1275465" cy="677956"/>
           </a:xfrm>
           <a:prstGeom prst="ellipse">
@@ -6201,23 +6258,13 @@
           <a:p>
             <a:pPr algn="ctr"/>
             <a:r>
-              <a:rPr lang="en-US" sz="1000" dirty="0">
+              <a:rPr lang="en-US" sz="1100" dirty="0">
                 <a:latin typeface="Poppins" panose="00000500000000000000" pitchFamily="2" charset="0"/>
                 <a:cs typeface="Poppins" panose="00000500000000000000" pitchFamily="2" charset="0"/>
               </a:rPr>
-              <a:t>Blood </a:t>
-            </a:r>
-          </a:p>
-          <a:p>
-            <a:pPr algn="ctr"/>
-            <a:r>
-              <a:rPr lang="en-US" sz="1000" dirty="0">
-                <a:latin typeface="Poppins" panose="00000500000000000000" pitchFamily="2" charset="0"/>
-                <a:cs typeface="Poppins" panose="00000500000000000000" pitchFamily="2" charset="0"/>
-              </a:rPr>
-              <a:t>Group</a:t>
-            </a:r>
-            <a:endParaRPr lang="en-IN" sz="1000" dirty="0">
+              <a:t>Capacity</a:t>
+            </a:r>
+            <a:endParaRPr lang="en-IN" sz="1100" dirty="0">
               <a:latin typeface="Poppins" panose="00000500000000000000" pitchFamily="2" charset="0"/>
               <a:cs typeface="Poppins" panose="00000500000000000000" pitchFamily="2" charset="0"/>
             </a:endParaRPr>
@@ -6226,10 +6273,10 @@
       </p:sp>
       <p:sp>
         <p:nvSpPr>
-          <p:cNvPr id="9" name="Oval 8">
-            <a:extLst>
-              <a:ext uri="{FF2B5EF4-FFF2-40B4-BE49-F238E27FC236}">
-                <a16:creationId xmlns:a16="http://schemas.microsoft.com/office/drawing/2014/main" id="{037FC7C5-F1EE-ECFC-F859-0D2820A407DB}"/>
+          <p:cNvPr id="10" name="Oval 9">
+            <a:extLst>
+              <a:ext uri="{FF2B5EF4-FFF2-40B4-BE49-F238E27FC236}">
+                <a16:creationId xmlns:a16="http://schemas.microsoft.com/office/drawing/2014/main" id="{D5F7FB74-AF7D-225E-74F2-97FF22CCFFDD}"/>
               </a:ext>
             </a:extLst>
           </p:cNvPr>
@@ -6238,7 +6285,7 @@
         </p:nvSpPr>
         <p:spPr>
           <a:xfrm>
-            <a:off x="4646432" y="4571053"/>
+            <a:off x="6367213" y="1572420"/>
             <a:ext cx="1275465" cy="677956"/>
           </a:xfrm>
           <a:prstGeom prst="ellipse">
@@ -6267,35 +6314,21 @@
           <a:p>
             <a:pPr algn="ctr"/>
             <a:r>
-              <a:rPr lang="en-US" sz="1000" dirty="0">
+              <a:rPr lang="en-US" sz="1100" dirty="0">
                 <a:latin typeface="Poppins" panose="00000500000000000000" pitchFamily="2" charset="0"/>
                 <a:cs typeface="Poppins" panose="00000500000000000000" pitchFamily="2" charset="0"/>
               </a:rPr>
-              <a:t>Blood </a:t>
-            </a:r>
-          </a:p>
-          <a:p>
-            <a:pPr algn="ctr"/>
-            <a:r>
-              <a:rPr lang="en-US" sz="1000" dirty="0">
-                <a:latin typeface="Poppins" panose="00000500000000000000" pitchFamily="2" charset="0"/>
-                <a:cs typeface="Poppins" panose="00000500000000000000" pitchFamily="2" charset="0"/>
-              </a:rPr>
-              <a:t>Group</a:t>
-            </a:r>
-            <a:endParaRPr lang="en-IN" sz="1000" dirty="0">
-              <a:latin typeface="Poppins" panose="00000500000000000000" pitchFamily="2" charset="0"/>
-              <a:cs typeface="Poppins" panose="00000500000000000000" pitchFamily="2" charset="0"/>
-            </a:endParaRPr>
-          </a:p>
-        </p:txBody>
-      </p:sp>
-      <p:sp>
-        <p:nvSpPr>
-          <p:cNvPr id="10" name="Oval 9">
-            <a:extLst>
-              <a:ext uri="{FF2B5EF4-FFF2-40B4-BE49-F238E27FC236}">
-                <a16:creationId xmlns:a16="http://schemas.microsoft.com/office/drawing/2014/main" id="{D5F7FB74-AF7D-225E-74F2-97FF22CCFFDD}"/>
+              <a:t>Insurance Policy ID</a:t>
+            </a:r>
+          </a:p>
+        </p:txBody>
+      </p:sp>
+      <p:sp>
+        <p:nvSpPr>
+          <p:cNvPr id="11" name="Oval 10">
+            <a:extLst>
+              <a:ext uri="{FF2B5EF4-FFF2-40B4-BE49-F238E27FC236}">
+                <a16:creationId xmlns:a16="http://schemas.microsoft.com/office/drawing/2014/main" id="{D98FFA16-AA41-91A6-59B9-046280DACD5A}"/>
               </a:ext>
             </a:extLst>
           </p:cNvPr>
@@ -6304,7 +6337,7 @@
         </p:nvSpPr>
         <p:spPr>
           <a:xfrm>
-            <a:off x="6367213" y="1572420"/>
+            <a:off x="7919449" y="1572420"/>
             <a:ext cx="1275465" cy="677956"/>
           </a:xfrm>
           <a:prstGeom prst="ellipse">
@@ -6333,35 +6366,21 @@
           <a:p>
             <a:pPr algn="ctr"/>
             <a:r>
-              <a:rPr lang="en-US" sz="1000" dirty="0">
+              <a:rPr lang="en-IN" sz="1100" dirty="0">
                 <a:latin typeface="Poppins" panose="00000500000000000000" pitchFamily="2" charset="0"/>
                 <a:cs typeface="Poppins" panose="00000500000000000000" pitchFamily="2" charset="0"/>
               </a:rPr>
-              <a:t>Blood </a:t>
-            </a:r>
-          </a:p>
-          <a:p>
-            <a:pPr algn="ctr"/>
-            <a:r>
-              <a:rPr lang="en-US" sz="1000" dirty="0">
-                <a:latin typeface="Poppins" panose="00000500000000000000" pitchFamily="2" charset="0"/>
-                <a:cs typeface="Poppins" panose="00000500000000000000" pitchFamily="2" charset="0"/>
-              </a:rPr>
-              <a:t>Group</a:t>
-            </a:r>
-            <a:endParaRPr lang="en-IN" sz="1000" dirty="0">
-              <a:latin typeface="Poppins" panose="00000500000000000000" pitchFamily="2" charset="0"/>
-              <a:cs typeface="Poppins" panose="00000500000000000000" pitchFamily="2" charset="0"/>
-            </a:endParaRPr>
-          </a:p>
-        </p:txBody>
-      </p:sp>
-      <p:sp>
-        <p:nvSpPr>
-          <p:cNvPr id="11" name="Oval 10">
-            <a:extLst>
-              <a:ext uri="{FF2B5EF4-FFF2-40B4-BE49-F238E27FC236}">
-                <a16:creationId xmlns:a16="http://schemas.microsoft.com/office/drawing/2014/main" id="{D98FFA16-AA41-91A6-59B9-046280DACD5A}"/>
+              <a:t>Provider</a:t>
+            </a:r>
+          </a:p>
+        </p:txBody>
+      </p:sp>
+      <p:sp>
+        <p:nvSpPr>
+          <p:cNvPr id="12" name="Oval 11">
+            <a:extLst>
+              <a:ext uri="{FF2B5EF4-FFF2-40B4-BE49-F238E27FC236}">
+                <a16:creationId xmlns:a16="http://schemas.microsoft.com/office/drawing/2014/main" id="{C425A7B7-737F-17AD-7CC0-FDEA4613A1E4}"/>
               </a:ext>
             </a:extLst>
           </p:cNvPr>
@@ -6370,7 +6389,7 @@
         </p:nvSpPr>
         <p:spPr>
           <a:xfrm>
-            <a:off x="7919449" y="1572420"/>
+            <a:off x="9656695" y="2279215"/>
             <a:ext cx="1275465" cy="677956"/>
           </a:xfrm>
           <a:prstGeom prst="ellipse">
@@ -6399,35 +6418,31 @@
           <a:p>
             <a:pPr algn="ctr"/>
             <a:r>
-              <a:rPr lang="en-US" sz="1000" dirty="0">
+              <a:rPr lang="en-IN" sz="1100" dirty="0">
                 <a:latin typeface="Poppins" panose="00000500000000000000" pitchFamily="2" charset="0"/>
                 <a:cs typeface="Poppins" panose="00000500000000000000" pitchFamily="2" charset="0"/>
               </a:rPr>
-              <a:t>Blood </a:t>
+              <a:t>Transact</a:t>
             </a:r>
           </a:p>
           <a:p>
             <a:pPr algn="ctr"/>
             <a:r>
-              <a:rPr lang="en-US" sz="1000" dirty="0">
+              <a:rPr lang="en-IN" sz="1100" dirty="0">
                 <a:latin typeface="Poppins" panose="00000500000000000000" pitchFamily="2" charset="0"/>
                 <a:cs typeface="Poppins" panose="00000500000000000000" pitchFamily="2" charset="0"/>
               </a:rPr>
-              <a:t>Group</a:t>
-            </a:r>
-            <a:endParaRPr lang="en-IN" sz="1000" dirty="0">
-              <a:latin typeface="Poppins" panose="00000500000000000000" pitchFamily="2" charset="0"/>
-              <a:cs typeface="Poppins" panose="00000500000000000000" pitchFamily="2" charset="0"/>
-            </a:endParaRPr>
-          </a:p>
-        </p:txBody>
-      </p:sp>
-      <p:sp>
-        <p:nvSpPr>
-          <p:cNvPr id="12" name="Oval 11">
-            <a:extLst>
-              <a:ext uri="{FF2B5EF4-FFF2-40B4-BE49-F238E27FC236}">
-                <a16:creationId xmlns:a16="http://schemas.microsoft.com/office/drawing/2014/main" id="{C425A7B7-737F-17AD-7CC0-FDEA4613A1E4}"/>
+              <a:t>ID</a:t>
+            </a:r>
+          </a:p>
+        </p:txBody>
+      </p:sp>
+      <p:sp>
+        <p:nvSpPr>
+          <p:cNvPr id="13" name="Oval 12">
+            <a:extLst>
+              <a:ext uri="{FF2B5EF4-FFF2-40B4-BE49-F238E27FC236}">
+                <a16:creationId xmlns:a16="http://schemas.microsoft.com/office/drawing/2014/main" id="{D519F9F9-EFEE-79C4-12B2-A9D83A250A6A}"/>
               </a:ext>
             </a:extLst>
           </p:cNvPr>
@@ -6436,7 +6451,7 @@
         </p:nvSpPr>
         <p:spPr>
           <a:xfrm>
-            <a:off x="9656695" y="2279215"/>
+            <a:off x="6367213" y="4610733"/>
             <a:ext cx="1275465" cy="677956"/>
           </a:xfrm>
           <a:prstGeom prst="ellipse">
@@ -6465,827 +6480,886 @@
           <a:p>
             <a:pPr algn="ctr"/>
             <a:r>
-              <a:rPr lang="en-US" sz="1000" dirty="0">
+              <a:rPr lang="en-IN" sz="1100" dirty="0">
                 <a:latin typeface="Poppins" panose="00000500000000000000" pitchFamily="2" charset="0"/>
                 <a:cs typeface="Poppins" panose="00000500000000000000" pitchFamily="2" charset="0"/>
               </a:rPr>
-              <a:t>Blood </a:t>
-            </a:r>
-          </a:p>
+              <a:t>Coverage Amount</a:t>
+            </a:r>
+          </a:p>
+        </p:txBody>
+      </p:sp>
+      <p:sp>
+        <p:nvSpPr>
+          <p:cNvPr id="14" name="Oval 13">
+            <a:extLst>
+              <a:ext uri="{FF2B5EF4-FFF2-40B4-BE49-F238E27FC236}">
+                <a16:creationId xmlns:a16="http://schemas.microsoft.com/office/drawing/2014/main" id="{D78FE9C1-495F-0977-36EB-32A044802873}"/>
+              </a:ext>
+            </a:extLst>
+          </p:cNvPr>
+          <p:cNvSpPr/>
+          <p:nvPr/>
+        </p:nvSpPr>
+        <p:spPr>
+          <a:xfrm>
+            <a:off x="7913247" y="4607624"/>
+            <a:ext cx="1275465" cy="677956"/>
+          </a:xfrm>
+          <a:prstGeom prst="ellipse">
+            <a:avLst/>
+          </a:prstGeom>
+        </p:spPr>
+        <p:style>
+          <a:lnRef idx="2">
+            <a:schemeClr val="accent1">
+              <a:shade val="15000"/>
+            </a:schemeClr>
+          </a:lnRef>
+          <a:fillRef idx="1">
+            <a:schemeClr val="accent1"/>
+          </a:fillRef>
+          <a:effectRef idx="0">
+            <a:schemeClr val="accent1"/>
+          </a:effectRef>
+          <a:fontRef idx="minor">
+            <a:schemeClr val="lt1"/>
+          </a:fontRef>
+        </p:style>
+        <p:txBody>
+          <a:bodyPr rtlCol="0" anchor="ctr"/>
+          <a:lstStyle/>
           <a:p>
             <a:pPr algn="ctr"/>
             <a:r>
-              <a:rPr lang="en-US" sz="1000" dirty="0">
+              <a:rPr lang="en-IN" sz="1100" dirty="0">
                 <a:latin typeface="Poppins" panose="00000500000000000000" pitchFamily="2" charset="0"/>
                 <a:cs typeface="Poppins" panose="00000500000000000000" pitchFamily="2" charset="0"/>
               </a:rPr>
-              <a:t>Group</a:t>
-            </a:r>
-            <a:endParaRPr lang="en-IN" sz="1000" dirty="0">
-              <a:latin typeface="Poppins" panose="00000500000000000000" pitchFamily="2" charset="0"/>
-              <a:cs typeface="Poppins" panose="00000500000000000000" pitchFamily="2" charset="0"/>
-            </a:endParaRPr>
-          </a:p>
-        </p:txBody>
-      </p:sp>
+              <a:t>Expire </a:t>
+            </a:r>
+          </a:p>
+          <a:p>
+            <a:pPr algn="ctr"/>
+            <a:r>
+              <a:rPr lang="en-IN" sz="1100" dirty="0">
+                <a:latin typeface="Poppins" panose="00000500000000000000" pitchFamily="2" charset="0"/>
+                <a:cs typeface="Poppins" panose="00000500000000000000" pitchFamily="2" charset="0"/>
+              </a:rPr>
+              <a:t>Date</a:t>
+            </a:r>
+          </a:p>
+        </p:txBody>
+      </p:sp>
+      <p:sp>
+        <p:nvSpPr>
+          <p:cNvPr id="15" name="Oval 14">
+            <a:extLst>
+              <a:ext uri="{FF2B5EF4-FFF2-40B4-BE49-F238E27FC236}">
+                <a16:creationId xmlns:a16="http://schemas.microsoft.com/office/drawing/2014/main" id="{30BD08FB-C405-BEC5-5E8A-CB4A76F20358}"/>
+              </a:ext>
+            </a:extLst>
+          </p:cNvPr>
+          <p:cNvSpPr/>
+          <p:nvPr/>
+        </p:nvSpPr>
+        <p:spPr>
+          <a:xfrm>
+            <a:off x="10768004" y="1601259"/>
+            <a:ext cx="1275465" cy="677956"/>
+          </a:xfrm>
+          <a:prstGeom prst="ellipse">
+            <a:avLst/>
+          </a:prstGeom>
+        </p:spPr>
+        <p:style>
+          <a:lnRef idx="2">
+            <a:schemeClr val="accent1">
+              <a:shade val="15000"/>
+            </a:schemeClr>
+          </a:lnRef>
+          <a:fillRef idx="1">
+            <a:schemeClr val="accent1"/>
+          </a:fillRef>
+          <a:effectRef idx="0">
+            <a:schemeClr val="accent1"/>
+          </a:effectRef>
+          <a:fontRef idx="minor">
+            <a:schemeClr val="lt1"/>
+          </a:fontRef>
+        </p:style>
+        <p:txBody>
+          <a:bodyPr rtlCol="0" anchor="ctr"/>
+          <a:lstStyle/>
+          <a:p>
+            <a:pPr algn="ctr"/>
+            <a:r>
+              <a:rPr lang="en-IN" sz="1100" dirty="0">
+                <a:latin typeface="Poppins" panose="00000500000000000000" pitchFamily="2" charset="0"/>
+                <a:cs typeface="Poppins" panose="00000500000000000000" pitchFamily="2" charset="0"/>
+              </a:rPr>
+              <a:t>Amount</a:t>
+            </a:r>
+          </a:p>
+        </p:txBody>
+      </p:sp>
+      <p:sp>
+        <p:nvSpPr>
+          <p:cNvPr id="16" name="Oval 15">
+            <a:extLst>
+              <a:ext uri="{FF2B5EF4-FFF2-40B4-BE49-F238E27FC236}">
+                <a16:creationId xmlns:a16="http://schemas.microsoft.com/office/drawing/2014/main" id="{0AC41584-590B-F0A2-141E-5CFCC90D5E4A}"/>
+              </a:ext>
+            </a:extLst>
+          </p:cNvPr>
+          <p:cNvSpPr/>
+          <p:nvPr/>
+        </p:nvSpPr>
+        <p:spPr>
+          <a:xfrm>
+            <a:off x="9656695" y="4033680"/>
+            <a:ext cx="1275465" cy="677956"/>
+          </a:xfrm>
+          <a:prstGeom prst="ellipse">
+            <a:avLst/>
+          </a:prstGeom>
+        </p:spPr>
+        <p:style>
+          <a:lnRef idx="2">
+            <a:schemeClr val="accent1">
+              <a:shade val="15000"/>
+            </a:schemeClr>
+          </a:lnRef>
+          <a:fillRef idx="1">
+            <a:schemeClr val="accent1"/>
+          </a:fillRef>
+          <a:effectRef idx="0">
+            <a:schemeClr val="accent1"/>
+          </a:effectRef>
+          <a:fontRef idx="minor">
+            <a:schemeClr val="lt1"/>
+          </a:fontRef>
+        </p:style>
+        <p:txBody>
+          <a:bodyPr rtlCol="0" anchor="ctr"/>
+          <a:lstStyle/>
+          <a:p>
+            <a:pPr algn="ctr"/>
+            <a:r>
+              <a:rPr lang="en-IN" sz="1100" dirty="0">
+                <a:latin typeface="Poppins" panose="00000500000000000000" pitchFamily="2" charset="0"/>
+                <a:cs typeface="Poppins" panose="00000500000000000000" pitchFamily="2" charset="0"/>
+              </a:rPr>
+              <a:t>Payment Methos</a:t>
+            </a:r>
+          </a:p>
+        </p:txBody>
+      </p:sp>
+      <p:sp>
+        <p:nvSpPr>
+          <p:cNvPr id="17" name="Oval 16">
+            <a:extLst>
+              <a:ext uri="{FF2B5EF4-FFF2-40B4-BE49-F238E27FC236}">
+                <a16:creationId xmlns:a16="http://schemas.microsoft.com/office/drawing/2014/main" id="{9D3AE138-F568-5600-75A1-3B97C7AA6039}"/>
+              </a:ext>
+            </a:extLst>
+          </p:cNvPr>
+          <p:cNvSpPr/>
+          <p:nvPr/>
+        </p:nvSpPr>
+        <p:spPr>
+          <a:xfrm>
+            <a:off x="10706100" y="4655947"/>
+            <a:ext cx="1369813" cy="677956"/>
+          </a:xfrm>
+          <a:prstGeom prst="ellipse">
+            <a:avLst/>
+          </a:prstGeom>
+        </p:spPr>
+        <p:style>
+          <a:lnRef idx="2">
+            <a:schemeClr val="accent1">
+              <a:shade val="15000"/>
+            </a:schemeClr>
+          </a:lnRef>
+          <a:fillRef idx="1">
+            <a:schemeClr val="accent1"/>
+          </a:fillRef>
+          <a:effectRef idx="0">
+            <a:schemeClr val="accent1"/>
+          </a:effectRef>
+          <a:fontRef idx="minor">
+            <a:schemeClr val="lt1"/>
+          </a:fontRef>
+        </p:style>
+        <p:txBody>
+          <a:bodyPr rtlCol="0" anchor="ctr"/>
+          <a:lstStyle/>
+          <a:p>
+            <a:pPr algn="ctr"/>
+            <a:r>
+              <a:rPr lang="en-IN" sz="1100" dirty="0">
+                <a:latin typeface="Poppins" panose="00000500000000000000" pitchFamily="2" charset="0"/>
+                <a:cs typeface="Poppins" panose="00000500000000000000" pitchFamily="2" charset="0"/>
+              </a:rPr>
+              <a:t>Patient</a:t>
+            </a:r>
+          </a:p>
+          <a:p>
+            <a:pPr algn="ctr"/>
+            <a:r>
+              <a:rPr lang="en-IN" sz="1100" dirty="0">
+                <a:latin typeface="Poppins" panose="00000500000000000000" pitchFamily="2" charset="0"/>
+                <a:cs typeface="Poppins" panose="00000500000000000000" pitchFamily="2" charset="0"/>
+              </a:rPr>
+              <a:t>Contribute </a:t>
+            </a:r>
+          </a:p>
+        </p:txBody>
+      </p:sp>
+      <p:cxnSp>
+        <p:nvCxnSpPr>
+          <p:cNvPr id="19" name="Straight Connector 18">
+            <a:extLst>
+              <a:ext uri="{FF2B5EF4-FFF2-40B4-BE49-F238E27FC236}">
+                <a16:creationId xmlns:a16="http://schemas.microsoft.com/office/drawing/2014/main" id="{41ACE4BB-03C2-0A3E-6F23-0B449BC87617}"/>
+              </a:ext>
+            </a:extLst>
+          </p:cNvPr>
+          <p:cNvCxnSpPr>
+            <a:cxnSpLocks/>
+            <a:stCxn id="50" idx="4"/>
+            <a:endCxn id="39" idx="0"/>
+          </p:cNvCxnSpPr>
+          <p:nvPr/>
+        </p:nvCxnSpPr>
+        <p:spPr>
+          <a:xfrm>
+            <a:off x="786264" y="2250376"/>
+            <a:ext cx="473576" cy="839646"/>
+          </a:xfrm>
+          <a:prstGeom prst="line">
+            <a:avLst/>
+          </a:prstGeom>
+        </p:spPr>
+        <p:style>
+          <a:lnRef idx="1">
+            <a:schemeClr val="accent1"/>
+          </a:lnRef>
+          <a:fillRef idx="0">
+            <a:schemeClr val="accent1"/>
+          </a:fillRef>
+          <a:effectRef idx="0">
+            <a:schemeClr val="accent1"/>
+          </a:effectRef>
+          <a:fontRef idx="minor">
+            <a:schemeClr val="tx1"/>
+          </a:fontRef>
+        </p:style>
+      </p:cxnSp>
+      <p:cxnSp>
+        <p:nvCxnSpPr>
+          <p:cNvPr id="22" name="Straight Connector 21">
+            <a:extLst>
+              <a:ext uri="{FF2B5EF4-FFF2-40B4-BE49-F238E27FC236}">
+                <a16:creationId xmlns:a16="http://schemas.microsoft.com/office/drawing/2014/main" id="{98C04126-AD71-857C-16D8-AFF23966429F}"/>
+              </a:ext>
+            </a:extLst>
+          </p:cNvPr>
+          <p:cNvCxnSpPr>
+            <a:cxnSpLocks/>
+            <a:stCxn id="2" idx="7"/>
+            <a:endCxn id="39" idx="0"/>
+          </p:cNvCxnSpPr>
+          <p:nvPr/>
+        </p:nvCxnSpPr>
+        <p:spPr>
+          <a:xfrm flipH="1">
+            <a:off x="1259840" y="2245649"/>
+            <a:ext cx="950854" cy="844373"/>
+          </a:xfrm>
+          <a:prstGeom prst="line">
+            <a:avLst/>
+          </a:prstGeom>
+        </p:spPr>
+        <p:style>
+          <a:lnRef idx="1">
+            <a:schemeClr val="accent1"/>
+          </a:lnRef>
+          <a:fillRef idx="0">
+            <a:schemeClr val="accent1"/>
+          </a:fillRef>
+          <a:effectRef idx="0">
+            <a:schemeClr val="accent1"/>
+          </a:effectRef>
+          <a:fontRef idx="minor">
+            <a:schemeClr val="tx1"/>
+          </a:fontRef>
+        </p:style>
+      </p:cxnSp>
+      <p:cxnSp>
+        <p:nvCxnSpPr>
+          <p:cNvPr id="26" name="Straight Connector 25">
+            <a:extLst>
+              <a:ext uri="{FF2B5EF4-FFF2-40B4-BE49-F238E27FC236}">
+                <a16:creationId xmlns:a16="http://schemas.microsoft.com/office/drawing/2014/main" id="{091DAFA2-553E-28CD-2247-A24CF2D9E7DD}"/>
+              </a:ext>
+            </a:extLst>
+          </p:cNvPr>
+          <p:cNvCxnSpPr>
+            <a:cxnSpLocks/>
+            <a:stCxn id="39" idx="2"/>
+            <a:endCxn id="5" idx="5"/>
+          </p:cNvCxnSpPr>
+          <p:nvPr/>
+        </p:nvCxnSpPr>
+        <p:spPr>
+          <a:xfrm>
+            <a:off x="1259840" y="3767978"/>
+            <a:ext cx="950854" cy="844374"/>
+          </a:xfrm>
+          <a:prstGeom prst="line">
+            <a:avLst/>
+          </a:prstGeom>
+        </p:spPr>
+        <p:style>
+          <a:lnRef idx="1">
+            <a:schemeClr val="accent1"/>
+          </a:lnRef>
+          <a:fillRef idx="0">
+            <a:schemeClr val="accent1"/>
+          </a:fillRef>
+          <a:effectRef idx="0">
+            <a:schemeClr val="accent1"/>
+          </a:effectRef>
+          <a:fontRef idx="minor">
+            <a:schemeClr val="tx1"/>
+          </a:fontRef>
+        </p:style>
+      </p:cxnSp>
+      <p:cxnSp>
+        <p:nvCxnSpPr>
+          <p:cNvPr id="31" name="Straight Connector 30">
+            <a:extLst>
+              <a:ext uri="{FF2B5EF4-FFF2-40B4-BE49-F238E27FC236}">
+                <a16:creationId xmlns:a16="http://schemas.microsoft.com/office/drawing/2014/main" id="{93B00058-1665-35BD-F2BF-FB48BFB2F37F}"/>
+              </a:ext>
+            </a:extLst>
+          </p:cNvPr>
+          <p:cNvCxnSpPr>
+            <a:cxnSpLocks/>
+            <a:stCxn id="4" idx="0"/>
+            <a:endCxn id="39" idx="2"/>
+          </p:cNvCxnSpPr>
+          <p:nvPr/>
+        </p:nvCxnSpPr>
+        <p:spPr>
+          <a:xfrm flipV="1">
+            <a:off x="847224" y="3767978"/>
+            <a:ext cx="412616" cy="882922"/>
+          </a:xfrm>
+          <a:prstGeom prst="line">
+            <a:avLst/>
+          </a:prstGeom>
+        </p:spPr>
+        <p:style>
+          <a:lnRef idx="1">
+            <a:schemeClr val="accent1"/>
+          </a:lnRef>
+          <a:fillRef idx="0">
+            <a:schemeClr val="accent1"/>
+          </a:fillRef>
+          <a:effectRef idx="0">
+            <a:schemeClr val="accent1"/>
+          </a:effectRef>
+          <a:fontRef idx="minor">
+            <a:schemeClr val="tx1"/>
+          </a:fontRef>
+        </p:style>
+      </p:cxnSp>
+      <p:cxnSp>
+        <p:nvCxnSpPr>
+          <p:cNvPr id="34" name="Straight Connector 33">
+            <a:extLst>
+              <a:ext uri="{FF2B5EF4-FFF2-40B4-BE49-F238E27FC236}">
+                <a16:creationId xmlns:a16="http://schemas.microsoft.com/office/drawing/2014/main" id="{CC898980-BBFE-15F0-AE07-9BBBACF1FFA7}"/>
+              </a:ext>
+            </a:extLst>
+          </p:cNvPr>
+          <p:cNvCxnSpPr>
+            <a:cxnSpLocks/>
+            <a:stCxn id="6" idx="4"/>
+            <a:endCxn id="38" idx="0"/>
+          </p:cNvCxnSpPr>
+          <p:nvPr/>
+        </p:nvCxnSpPr>
+        <p:spPr>
+          <a:xfrm>
+            <a:off x="3738131" y="2286947"/>
+            <a:ext cx="769917" cy="803075"/>
+          </a:xfrm>
+          <a:prstGeom prst="line">
+            <a:avLst/>
+          </a:prstGeom>
+        </p:spPr>
+        <p:style>
+          <a:lnRef idx="1">
+            <a:schemeClr val="accent1"/>
+          </a:lnRef>
+          <a:fillRef idx="0">
+            <a:schemeClr val="accent1"/>
+          </a:fillRef>
+          <a:effectRef idx="0">
+            <a:schemeClr val="accent1"/>
+          </a:effectRef>
+          <a:fontRef idx="minor">
+            <a:schemeClr val="tx1"/>
+          </a:fontRef>
+        </p:style>
+      </p:cxnSp>
+      <p:cxnSp>
+        <p:nvCxnSpPr>
+          <p:cNvPr id="37" name="Straight Connector 36">
+            <a:extLst>
+              <a:ext uri="{FF2B5EF4-FFF2-40B4-BE49-F238E27FC236}">
+                <a16:creationId xmlns:a16="http://schemas.microsoft.com/office/drawing/2014/main" id="{A318835D-8AEF-2870-0FD5-A4DA33865655}"/>
+              </a:ext>
+            </a:extLst>
+          </p:cNvPr>
+          <p:cNvCxnSpPr>
+            <a:cxnSpLocks/>
+            <a:stCxn id="7" idx="4"/>
+            <a:endCxn id="38" idx="0"/>
+          </p:cNvCxnSpPr>
+          <p:nvPr/>
+        </p:nvCxnSpPr>
+        <p:spPr>
+          <a:xfrm flipH="1">
+            <a:off x="4508048" y="2286947"/>
+            <a:ext cx="776118" cy="803075"/>
+          </a:xfrm>
+          <a:prstGeom prst="line">
+            <a:avLst/>
+          </a:prstGeom>
+        </p:spPr>
+        <p:style>
+          <a:lnRef idx="1">
+            <a:schemeClr val="accent1"/>
+          </a:lnRef>
+          <a:fillRef idx="0">
+            <a:schemeClr val="accent1"/>
+          </a:fillRef>
+          <a:effectRef idx="0">
+            <a:schemeClr val="accent1"/>
+          </a:effectRef>
+          <a:fontRef idx="minor">
+            <a:schemeClr val="tx1"/>
+          </a:fontRef>
+        </p:style>
+      </p:cxnSp>
+      <p:cxnSp>
+        <p:nvCxnSpPr>
+          <p:cNvPr id="44" name="Straight Connector 43">
+            <a:extLst>
+              <a:ext uri="{FF2B5EF4-FFF2-40B4-BE49-F238E27FC236}">
+                <a16:creationId xmlns:a16="http://schemas.microsoft.com/office/drawing/2014/main" id="{BAEF611C-82C0-F7A8-5B94-6A9E781871A3}"/>
+              </a:ext>
+            </a:extLst>
+          </p:cNvPr>
+          <p:cNvCxnSpPr>
+            <a:cxnSpLocks/>
+            <a:stCxn id="9" idx="0"/>
+          </p:cNvCxnSpPr>
+          <p:nvPr/>
+        </p:nvCxnSpPr>
+        <p:spPr>
+          <a:xfrm flipH="1" flipV="1">
+            <a:off x="4490539" y="3767978"/>
+            <a:ext cx="793626" cy="803075"/>
+          </a:xfrm>
+          <a:prstGeom prst="line">
+            <a:avLst/>
+          </a:prstGeom>
+        </p:spPr>
+        <p:style>
+          <a:lnRef idx="1">
+            <a:schemeClr val="accent1"/>
+          </a:lnRef>
+          <a:fillRef idx="0">
+            <a:schemeClr val="accent1"/>
+          </a:fillRef>
+          <a:effectRef idx="0">
+            <a:schemeClr val="accent1"/>
+          </a:effectRef>
+          <a:fontRef idx="minor">
+            <a:schemeClr val="tx1"/>
+          </a:fontRef>
+        </p:style>
+      </p:cxnSp>
+      <p:cxnSp>
+        <p:nvCxnSpPr>
+          <p:cNvPr id="51" name="Straight Connector 50">
+            <a:extLst>
+              <a:ext uri="{FF2B5EF4-FFF2-40B4-BE49-F238E27FC236}">
+                <a16:creationId xmlns:a16="http://schemas.microsoft.com/office/drawing/2014/main" id="{12C482E0-B758-44E7-D26D-0FB70CE5114A}"/>
+              </a:ext>
+            </a:extLst>
+          </p:cNvPr>
+          <p:cNvCxnSpPr>
+            <a:cxnSpLocks/>
+            <a:stCxn id="8" idx="0"/>
+            <a:endCxn id="38" idx="2"/>
+          </p:cNvCxnSpPr>
+          <p:nvPr/>
+        </p:nvCxnSpPr>
+        <p:spPr>
+          <a:xfrm flipV="1">
+            <a:off x="3738131" y="3767978"/>
+            <a:ext cx="769917" cy="803075"/>
+          </a:xfrm>
+          <a:prstGeom prst="line">
+            <a:avLst/>
+          </a:prstGeom>
+        </p:spPr>
+        <p:style>
+          <a:lnRef idx="1">
+            <a:schemeClr val="accent1"/>
+          </a:lnRef>
+          <a:fillRef idx="0">
+            <a:schemeClr val="accent1"/>
+          </a:fillRef>
+          <a:effectRef idx="0">
+            <a:schemeClr val="accent1"/>
+          </a:effectRef>
+          <a:fontRef idx="minor">
+            <a:schemeClr val="tx1"/>
+          </a:fontRef>
+        </p:style>
+      </p:cxnSp>
+      <p:cxnSp>
+        <p:nvCxnSpPr>
+          <p:cNvPr id="56" name="Straight Connector 55">
+            <a:extLst>
+              <a:ext uri="{FF2B5EF4-FFF2-40B4-BE49-F238E27FC236}">
+                <a16:creationId xmlns:a16="http://schemas.microsoft.com/office/drawing/2014/main" id="{2E76043D-0450-9D8E-3B28-D3AAF6051F6B}"/>
+              </a:ext>
+            </a:extLst>
+          </p:cNvPr>
+          <p:cNvCxnSpPr>
+            <a:cxnSpLocks/>
+            <a:stCxn id="10" idx="4"/>
+            <a:endCxn id="3" idx="0"/>
+          </p:cNvCxnSpPr>
+          <p:nvPr/>
+        </p:nvCxnSpPr>
+        <p:spPr>
+          <a:xfrm>
+            <a:off x="7004946" y="2250376"/>
+            <a:ext cx="776118" cy="839646"/>
+          </a:xfrm>
+          <a:prstGeom prst="line">
+            <a:avLst/>
+          </a:prstGeom>
+        </p:spPr>
+        <p:style>
+          <a:lnRef idx="1">
+            <a:schemeClr val="accent1"/>
+          </a:lnRef>
+          <a:fillRef idx="0">
+            <a:schemeClr val="accent1"/>
+          </a:fillRef>
+          <a:effectRef idx="0">
+            <a:schemeClr val="accent1"/>
+          </a:effectRef>
+          <a:fontRef idx="minor">
+            <a:schemeClr val="tx1"/>
+          </a:fontRef>
+        </p:style>
+      </p:cxnSp>
+      <p:cxnSp>
+        <p:nvCxnSpPr>
+          <p:cNvPr id="60" name="Straight Connector 59">
+            <a:extLst>
+              <a:ext uri="{FF2B5EF4-FFF2-40B4-BE49-F238E27FC236}">
+                <a16:creationId xmlns:a16="http://schemas.microsoft.com/office/drawing/2014/main" id="{C6C35CEF-E955-9D1D-20A5-10FCE0481BB9}"/>
+              </a:ext>
+            </a:extLst>
+          </p:cNvPr>
+          <p:cNvCxnSpPr>
+            <a:cxnSpLocks/>
+            <a:stCxn id="11" idx="4"/>
+            <a:endCxn id="3" idx="0"/>
+          </p:cNvCxnSpPr>
+          <p:nvPr/>
+        </p:nvCxnSpPr>
+        <p:spPr>
+          <a:xfrm flipH="1">
+            <a:off x="7781064" y="2250376"/>
+            <a:ext cx="776118" cy="839646"/>
+          </a:xfrm>
+          <a:prstGeom prst="line">
+            <a:avLst/>
+          </a:prstGeom>
+        </p:spPr>
+        <p:style>
+          <a:lnRef idx="1">
+            <a:schemeClr val="accent1"/>
+          </a:lnRef>
+          <a:fillRef idx="0">
+            <a:schemeClr val="accent1"/>
+          </a:fillRef>
+          <a:effectRef idx="0">
+            <a:schemeClr val="accent1"/>
+          </a:effectRef>
+          <a:fontRef idx="minor">
+            <a:schemeClr val="tx1"/>
+          </a:fontRef>
+        </p:style>
+      </p:cxnSp>
+      <p:cxnSp>
+        <p:nvCxnSpPr>
+          <p:cNvPr id="65" name="Straight Connector 64">
+            <a:extLst>
+              <a:ext uri="{FF2B5EF4-FFF2-40B4-BE49-F238E27FC236}">
+                <a16:creationId xmlns:a16="http://schemas.microsoft.com/office/drawing/2014/main" id="{7F234462-3D65-C21C-0590-60F18D118F7C}"/>
+              </a:ext>
+            </a:extLst>
+          </p:cNvPr>
+          <p:cNvCxnSpPr>
+            <a:cxnSpLocks/>
+            <a:stCxn id="13" idx="0"/>
+            <a:endCxn id="3" idx="2"/>
+          </p:cNvCxnSpPr>
+          <p:nvPr/>
+        </p:nvCxnSpPr>
+        <p:spPr>
+          <a:xfrm flipV="1">
+            <a:off x="7004946" y="3767978"/>
+            <a:ext cx="776118" cy="842755"/>
+          </a:xfrm>
+          <a:prstGeom prst="line">
+            <a:avLst/>
+          </a:prstGeom>
+        </p:spPr>
+        <p:style>
+          <a:lnRef idx="1">
+            <a:schemeClr val="accent1"/>
+          </a:lnRef>
+          <a:fillRef idx="0">
+            <a:schemeClr val="accent1"/>
+          </a:fillRef>
+          <a:effectRef idx="0">
+            <a:schemeClr val="accent1"/>
+          </a:effectRef>
+          <a:fontRef idx="minor">
+            <a:schemeClr val="tx1"/>
+          </a:fontRef>
+        </p:style>
+      </p:cxnSp>
+      <p:cxnSp>
+        <p:nvCxnSpPr>
+          <p:cNvPr id="68" name="Straight Connector 67">
+            <a:extLst>
+              <a:ext uri="{FF2B5EF4-FFF2-40B4-BE49-F238E27FC236}">
+                <a16:creationId xmlns:a16="http://schemas.microsoft.com/office/drawing/2014/main" id="{F4ACC227-38AD-55D0-8A2B-EE1619CE87D9}"/>
+              </a:ext>
+            </a:extLst>
+          </p:cNvPr>
+          <p:cNvCxnSpPr>
+            <a:cxnSpLocks/>
+            <a:stCxn id="14" idx="0"/>
+            <a:endCxn id="3" idx="2"/>
+          </p:cNvCxnSpPr>
+          <p:nvPr/>
+        </p:nvCxnSpPr>
+        <p:spPr>
+          <a:xfrm flipH="1" flipV="1">
+            <a:off x="7781064" y="3767978"/>
+            <a:ext cx="769916" cy="839646"/>
+          </a:xfrm>
+          <a:prstGeom prst="line">
+            <a:avLst/>
+          </a:prstGeom>
+        </p:spPr>
+        <p:style>
+          <a:lnRef idx="1">
+            <a:schemeClr val="accent1"/>
+          </a:lnRef>
+          <a:fillRef idx="0">
+            <a:schemeClr val="accent1"/>
+          </a:fillRef>
+          <a:effectRef idx="0">
+            <a:schemeClr val="accent1"/>
+          </a:effectRef>
+          <a:fontRef idx="minor">
+            <a:schemeClr val="tx1"/>
+          </a:fontRef>
+        </p:style>
+      </p:cxnSp>
+      <p:cxnSp>
+        <p:nvCxnSpPr>
+          <p:cNvPr id="71" name="Straight Connector 70">
+            <a:extLst>
+              <a:ext uri="{FF2B5EF4-FFF2-40B4-BE49-F238E27FC236}">
+                <a16:creationId xmlns:a16="http://schemas.microsoft.com/office/drawing/2014/main" id="{234AF67C-2D34-87B4-4AB2-9D6CB477FE2E}"/>
+              </a:ext>
+            </a:extLst>
+          </p:cNvPr>
+          <p:cNvCxnSpPr>
+            <a:cxnSpLocks/>
+            <a:stCxn id="12" idx="1"/>
+            <a:endCxn id="41" idx="0"/>
+          </p:cNvCxnSpPr>
+          <p:nvPr/>
+        </p:nvCxnSpPr>
+        <p:spPr>
+          <a:xfrm>
+            <a:off x="9843483" y="2378499"/>
+            <a:ext cx="1210597" cy="711523"/>
+          </a:xfrm>
+          <a:prstGeom prst="line">
+            <a:avLst/>
+          </a:prstGeom>
+        </p:spPr>
+        <p:style>
+          <a:lnRef idx="1">
+            <a:schemeClr val="accent1"/>
+          </a:lnRef>
+          <a:fillRef idx="0">
+            <a:schemeClr val="accent1"/>
+          </a:fillRef>
+          <a:effectRef idx="0">
+            <a:schemeClr val="accent1"/>
+          </a:effectRef>
+          <a:fontRef idx="minor">
+            <a:schemeClr val="tx1"/>
+          </a:fontRef>
+        </p:style>
+      </p:cxnSp>
+      <p:cxnSp>
+        <p:nvCxnSpPr>
+          <p:cNvPr id="74" name="Straight Connector 73">
+            <a:extLst>
+              <a:ext uri="{FF2B5EF4-FFF2-40B4-BE49-F238E27FC236}">
+                <a16:creationId xmlns:a16="http://schemas.microsoft.com/office/drawing/2014/main" id="{4BE24C06-A3E1-4C81-29C6-C947683C9C1C}"/>
+              </a:ext>
+            </a:extLst>
+          </p:cNvPr>
+          <p:cNvCxnSpPr>
+            <a:cxnSpLocks/>
+            <a:stCxn id="15" idx="4"/>
+            <a:endCxn id="41" idx="0"/>
+          </p:cNvCxnSpPr>
+          <p:nvPr/>
+        </p:nvCxnSpPr>
+        <p:spPr>
+          <a:xfrm flipH="1">
+            <a:off x="11054080" y="2279215"/>
+            <a:ext cx="351657" cy="810807"/>
+          </a:xfrm>
+          <a:prstGeom prst="line">
+            <a:avLst/>
+          </a:prstGeom>
+        </p:spPr>
+        <p:style>
+          <a:lnRef idx="1">
+            <a:schemeClr val="accent1"/>
+          </a:lnRef>
+          <a:fillRef idx="0">
+            <a:schemeClr val="accent1"/>
+          </a:fillRef>
+          <a:effectRef idx="0">
+            <a:schemeClr val="accent1"/>
+          </a:effectRef>
+          <a:fontRef idx="minor">
+            <a:schemeClr val="tx1"/>
+          </a:fontRef>
+        </p:style>
+      </p:cxnSp>
+      <p:cxnSp>
+        <p:nvCxnSpPr>
+          <p:cNvPr id="77" name="Straight Connector 76">
+            <a:extLst>
+              <a:ext uri="{FF2B5EF4-FFF2-40B4-BE49-F238E27FC236}">
+                <a16:creationId xmlns:a16="http://schemas.microsoft.com/office/drawing/2014/main" id="{8E8C6008-4997-28A0-2030-E71507E1A2A9}"/>
+              </a:ext>
+            </a:extLst>
+          </p:cNvPr>
+          <p:cNvCxnSpPr>
+            <a:cxnSpLocks/>
+            <a:stCxn id="41" idx="2"/>
+            <a:endCxn id="17" idx="0"/>
+          </p:cNvCxnSpPr>
+          <p:nvPr/>
+        </p:nvCxnSpPr>
+        <p:spPr>
+          <a:xfrm>
+            <a:off x="11054080" y="3767978"/>
+            <a:ext cx="336927" cy="887969"/>
+          </a:xfrm>
+          <a:prstGeom prst="line">
+            <a:avLst/>
+          </a:prstGeom>
+        </p:spPr>
+        <p:style>
+          <a:lnRef idx="1">
+            <a:schemeClr val="accent1"/>
+          </a:lnRef>
+          <a:fillRef idx="0">
+            <a:schemeClr val="accent1"/>
+          </a:fillRef>
+          <a:effectRef idx="0">
+            <a:schemeClr val="accent1"/>
+          </a:effectRef>
+          <a:fontRef idx="minor">
+            <a:schemeClr val="tx1"/>
+          </a:fontRef>
+        </p:style>
+      </p:cxnSp>
+      <p:cxnSp>
+        <p:nvCxnSpPr>
+          <p:cNvPr id="81" name="Straight Connector 80">
+            <a:extLst>
+              <a:ext uri="{FF2B5EF4-FFF2-40B4-BE49-F238E27FC236}">
+                <a16:creationId xmlns:a16="http://schemas.microsoft.com/office/drawing/2014/main" id="{EC314681-0377-FD7A-925C-CEA343F24ADD}"/>
+              </a:ext>
+            </a:extLst>
+          </p:cNvPr>
+          <p:cNvCxnSpPr>
+            <a:cxnSpLocks/>
+            <a:stCxn id="41" idx="2"/>
+            <a:endCxn id="16" idx="3"/>
+          </p:cNvCxnSpPr>
+          <p:nvPr/>
+        </p:nvCxnSpPr>
+        <p:spPr>
+          <a:xfrm flipH="1">
+            <a:off x="9843483" y="3767978"/>
+            <a:ext cx="1210597" cy="844374"/>
+          </a:xfrm>
+          <a:prstGeom prst="line">
+            <a:avLst/>
+          </a:prstGeom>
+        </p:spPr>
+        <p:style>
+          <a:lnRef idx="1">
+            <a:schemeClr val="accent1"/>
+          </a:lnRef>
+          <a:fillRef idx="0">
+            <a:schemeClr val="accent1"/>
+          </a:fillRef>
+          <a:effectRef idx="0">
+            <a:schemeClr val="accent1"/>
+          </a:effectRef>
+          <a:fontRef idx="minor">
+            <a:schemeClr val="tx1"/>
+          </a:fontRef>
+        </p:style>
+      </p:cxnSp>
     </p:spTree>
     <p:extLst>
       <p:ext uri="{BB962C8B-B14F-4D97-AF65-F5344CB8AC3E}">
         <p14:creationId xmlns:p14="http://schemas.microsoft.com/office/powerpoint/2010/main" val="3028369938"/>
-      </p:ext>
-    </p:extLst>
-  </p:cSld>
-  <p:clrMapOvr>
-    <a:masterClrMapping/>
-  </p:clrMapOvr>
-</p:sld>
-</file>
-
-<file path=ppt/slides/slide5.xml><?xml version="1.0" encoding="utf-8"?>
-<p:sld xmlns:a="http://schemas.openxmlformats.org/drawingml/2006/main" xmlns:r="http://schemas.openxmlformats.org/officeDocument/2006/relationships" xmlns:p="http://schemas.openxmlformats.org/presentationml/2006/main">
-  <p:cSld>
-    <p:spTree>
-      <p:nvGrpSpPr>
-        <p:cNvPr id="1" name=""/>
-        <p:cNvGrpSpPr/>
-        <p:nvPr/>
-      </p:nvGrpSpPr>
-      <p:grpSpPr>
-        <a:xfrm>
-          <a:off x="0" y="0"/>
-          <a:ext cx="0" cy="0"/>
-          <a:chOff x="0" y="0"/>
-          <a:chExt cx="0" cy="0"/>
-        </a:xfrm>
-      </p:grpSpPr>
-      <p:sp>
-        <p:nvSpPr>
-          <p:cNvPr id="3" name="Subtitle 2">
-            <a:extLst>
-              <a:ext uri="{FF2B5EF4-FFF2-40B4-BE49-F238E27FC236}">
-                <a16:creationId xmlns:a16="http://schemas.microsoft.com/office/drawing/2014/main" id="{3CF04684-CC27-8580-8C5F-70D558F3EF1E}"/>
-              </a:ext>
-            </a:extLst>
-          </p:cNvPr>
-          <p:cNvSpPr>
-            <a:spLocks noGrp="1"/>
-          </p:cNvSpPr>
-          <p:nvPr>
-            <p:ph type="subTitle" idx="1"/>
-          </p:nvPr>
-        </p:nvSpPr>
-        <p:spPr>
-          <a:xfrm>
-            <a:off x="1005839" y="331696"/>
-            <a:ext cx="3947160" cy="4873808"/>
-          </a:xfrm>
-        </p:spPr>
-        <p:txBody>
-          <a:bodyPr>
-            <a:noAutofit/>
-          </a:bodyPr>
-          <a:lstStyle/>
-          <a:p>
-            <a:pPr algn="l"/>
-            <a:r>
-              <a:rPr lang="en-US" sz="800" dirty="0"/>
-              <a:t>Patient Entity:</a:t>
-            </a:r>
-          </a:p>
-          <a:p>
-            <a:pPr algn="l"/>
-            <a:endParaRPr lang="en-US" sz="800" dirty="0"/>
-          </a:p>
-          <a:p>
-            <a:pPr algn="l"/>
-            <a:r>
-              <a:rPr lang="en-US" sz="800" dirty="0" err="1"/>
-              <a:t>Patient_ID</a:t>
-            </a:r>
-            <a:r>
-              <a:rPr lang="en-US" sz="800" dirty="0"/>
-              <a:t> (Key): Unique identifier for each patient.</a:t>
-            </a:r>
-          </a:p>
-          <a:p>
-            <a:pPr algn="l"/>
-            <a:r>
-              <a:rPr lang="en-US" sz="800" dirty="0"/>
-              <a:t>Name: Name of the patient.</a:t>
-            </a:r>
-          </a:p>
-          <a:p>
-            <a:pPr algn="l"/>
-            <a:r>
-              <a:rPr lang="en-US" sz="800" dirty="0"/>
-              <a:t>Address: Residential address of the patient.</a:t>
-            </a:r>
-          </a:p>
-          <a:p>
-            <a:pPr algn="l"/>
-            <a:r>
-              <a:rPr lang="en-US" sz="800" dirty="0"/>
-              <a:t>Phone: Contact number of the patient.</a:t>
-            </a:r>
-          </a:p>
-          <a:p>
-            <a:pPr algn="l"/>
-            <a:r>
-              <a:rPr lang="en-US" sz="800" dirty="0"/>
-              <a:t>Email: Email address of the patient.</a:t>
-            </a:r>
-          </a:p>
-          <a:p>
-            <a:pPr algn="l"/>
-            <a:r>
-              <a:rPr lang="en-US" sz="800" dirty="0" err="1"/>
-              <a:t>Date_of_Birth</a:t>
-            </a:r>
-            <a:r>
-              <a:rPr lang="en-US" sz="800" dirty="0"/>
-              <a:t>: Date of birth of the patient.</a:t>
-            </a:r>
-          </a:p>
-          <a:p>
-            <a:pPr algn="l"/>
-            <a:r>
-              <a:rPr lang="en-US" sz="800" dirty="0"/>
-              <a:t>Gender: Gender of the patient.</a:t>
-            </a:r>
-          </a:p>
-          <a:p>
-            <a:pPr algn="l"/>
-            <a:r>
-              <a:rPr lang="en-US" sz="800" dirty="0" err="1"/>
-              <a:t>Blood_Type</a:t>
-            </a:r>
-            <a:r>
-              <a:rPr lang="en-US" sz="800" dirty="0"/>
-              <a:t>: Blood type of the patient.</a:t>
-            </a:r>
-          </a:p>
-          <a:p>
-            <a:pPr algn="l"/>
-            <a:r>
-              <a:rPr lang="en-US" sz="800" dirty="0" err="1"/>
-              <a:t>Medical_History</a:t>
-            </a:r>
-            <a:r>
-              <a:rPr lang="en-US" sz="800" dirty="0"/>
-              <a:t>: Previous medical conditions or history of the patient.</a:t>
-            </a:r>
-          </a:p>
-          <a:p>
-            <a:pPr algn="l"/>
-            <a:r>
-              <a:rPr lang="en-US" sz="800" dirty="0" err="1"/>
-              <a:t>Emergency_Contact</a:t>
-            </a:r>
-            <a:r>
-              <a:rPr lang="en-US" sz="800" dirty="0"/>
-              <a:t>: Name and contact information of the patient's emergency contact person.</a:t>
-            </a:r>
-          </a:p>
-          <a:p>
-            <a:pPr algn="l"/>
-            <a:endParaRPr lang="en-US" sz="800" dirty="0"/>
-          </a:p>
-          <a:p>
-            <a:pPr algn="l"/>
-            <a:r>
-              <a:rPr lang="en-US" sz="800" dirty="0"/>
-              <a:t>Intensive Care Unit (ISU) Entity:</a:t>
-            </a:r>
-          </a:p>
-          <a:p>
-            <a:pPr algn="l"/>
-            <a:endParaRPr lang="en-US" sz="800" dirty="0"/>
-          </a:p>
-          <a:p>
-            <a:pPr algn="l"/>
-            <a:r>
-              <a:rPr lang="en-US" sz="800" dirty="0"/>
-              <a:t>ISU_ID (Key): Unique identifier for each ISU.</a:t>
-            </a:r>
-          </a:p>
-          <a:p>
-            <a:pPr algn="l"/>
-            <a:r>
-              <a:rPr lang="en-US" sz="800" dirty="0"/>
-              <a:t>Name: Name or identifier of the ISU.</a:t>
-            </a:r>
-          </a:p>
-          <a:p>
-            <a:pPr algn="l"/>
-            <a:r>
-              <a:rPr lang="en-US" sz="800" dirty="0"/>
-              <a:t>Location: Location or floor within the hospital where the ISU is situated.</a:t>
-            </a:r>
-          </a:p>
-          <a:p>
-            <a:pPr algn="l"/>
-            <a:r>
-              <a:rPr lang="en-US" sz="800" dirty="0"/>
-              <a:t>Capacity: Maximum capacity or number of beds in the ISU.</a:t>
-            </a:r>
-          </a:p>
-          <a:p>
-            <a:pPr algn="l"/>
-            <a:r>
-              <a:rPr lang="en-US" sz="800" dirty="0"/>
-              <a:t>Availability: Current availability status of the ISU (e.g., vacant, occupied).</a:t>
-            </a:r>
-          </a:p>
-          <a:p>
-            <a:pPr algn="l"/>
-            <a:r>
-              <a:rPr lang="en-US" sz="800" dirty="0" err="1"/>
-              <a:t>Nurse_Count</a:t>
-            </a:r>
-            <a:r>
-              <a:rPr lang="en-US" sz="800" dirty="0"/>
-              <a:t>: Number of nurses assigned to the ISU.</a:t>
-            </a:r>
-          </a:p>
-          <a:p>
-            <a:pPr algn="l"/>
-            <a:r>
-              <a:rPr lang="en-US" sz="800" dirty="0" err="1"/>
-              <a:t>Equipment_Available</a:t>
-            </a:r>
-            <a:r>
-              <a:rPr lang="en-US" sz="800" dirty="0"/>
-              <a:t>: List of medical equipment available in the ISU.</a:t>
-            </a:r>
-          </a:p>
-          <a:p>
-            <a:pPr algn="l"/>
-            <a:r>
-              <a:rPr lang="en-US" sz="800" dirty="0" err="1"/>
-              <a:t>Visiting_Hours</a:t>
-            </a:r>
-            <a:r>
-              <a:rPr lang="en-US" sz="800" dirty="0"/>
-              <a:t>: Designated hours for visiting patients in the ISU.</a:t>
-            </a:r>
-          </a:p>
-          <a:p>
-            <a:pPr algn="l"/>
-            <a:r>
-              <a:rPr lang="en-US" sz="800" dirty="0" err="1"/>
-              <a:t>Specialized_Care</a:t>
-            </a:r>
-            <a:r>
-              <a:rPr lang="en-US" sz="800" dirty="0"/>
-              <a:t>: Type of specialized care provided in the ISU (e.g., cardiac care, neurology).</a:t>
-            </a:r>
-          </a:p>
-          <a:p>
-            <a:pPr algn="l"/>
-            <a:r>
-              <a:rPr lang="en-US" sz="800" dirty="0" err="1"/>
-              <a:t>ICU_Level</a:t>
-            </a:r>
-            <a:r>
-              <a:rPr lang="en-US" sz="800" dirty="0"/>
-              <a:t>: Level or classification of the ICU based on the intensity of care provided.</a:t>
-            </a:r>
-            <a:endParaRPr lang="en-IN" sz="800" dirty="0"/>
-          </a:p>
-        </p:txBody>
-      </p:sp>
-      <p:sp>
-        <p:nvSpPr>
-          <p:cNvPr id="4" name="Subtitle 2">
-            <a:extLst>
-              <a:ext uri="{FF2B5EF4-FFF2-40B4-BE49-F238E27FC236}">
-                <a16:creationId xmlns:a16="http://schemas.microsoft.com/office/drawing/2014/main" id="{463C271E-B02D-B126-E51D-E6F677B24960}"/>
-              </a:ext>
-            </a:extLst>
-          </p:cNvPr>
-          <p:cNvSpPr txBox="1">
-            <a:spLocks/>
-          </p:cNvSpPr>
-          <p:nvPr/>
-        </p:nvSpPr>
-        <p:spPr>
-          <a:xfrm>
-            <a:off x="7239003" y="158976"/>
-            <a:ext cx="3947160" cy="4873808"/>
-          </a:xfrm>
-          <a:prstGeom prst="rect">
-            <a:avLst/>
-          </a:prstGeom>
-        </p:spPr>
-        <p:txBody>
-          <a:bodyPr vert="horz" lIns="91440" tIns="45720" rIns="91440" bIns="45720" rtlCol="0">
-            <a:noAutofit/>
-          </a:bodyPr>
-          <a:lstStyle>
-            <a:lvl1pPr marL="0" indent="0" algn="ctr" defTabSz="914400" rtl="0" eaLnBrk="1" latinLnBrk="0" hangingPunct="1">
-              <a:lnSpc>
-                <a:spcPct val="90000"/>
-              </a:lnSpc>
-              <a:spcBef>
-                <a:spcPts val="1000"/>
-              </a:spcBef>
-              <a:buFont typeface="Arial" panose="020B0604020202020204" pitchFamily="34" charset="0"/>
-              <a:buNone/>
-              <a:defRPr sz="2400" kern="1200">
-                <a:solidFill>
-                  <a:schemeClr val="tx1"/>
-                </a:solidFill>
-                <a:latin typeface="+mn-lt"/>
-                <a:ea typeface="+mn-ea"/>
-                <a:cs typeface="+mn-cs"/>
-              </a:defRPr>
-            </a:lvl1pPr>
-            <a:lvl2pPr marL="457200" indent="0" algn="ctr" defTabSz="914400" rtl="0" eaLnBrk="1" latinLnBrk="0" hangingPunct="1">
-              <a:lnSpc>
-                <a:spcPct val="90000"/>
-              </a:lnSpc>
-              <a:spcBef>
-                <a:spcPts val="500"/>
-              </a:spcBef>
-              <a:buFont typeface="Arial" panose="020B0604020202020204" pitchFamily="34" charset="0"/>
-              <a:buNone/>
-              <a:defRPr sz="2000" kern="1200">
-                <a:solidFill>
-                  <a:schemeClr val="tx1"/>
-                </a:solidFill>
-                <a:latin typeface="+mn-lt"/>
-                <a:ea typeface="+mn-ea"/>
-                <a:cs typeface="+mn-cs"/>
-              </a:defRPr>
-            </a:lvl2pPr>
-            <a:lvl3pPr marL="914400" indent="0" algn="ctr" defTabSz="914400" rtl="0" eaLnBrk="1" latinLnBrk="0" hangingPunct="1">
-              <a:lnSpc>
-                <a:spcPct val="90000"/>
-              </a:lnSpc>
-              <a:spcBef>
-                <a:spcPts val="500"/>
-              </a:spcBef>
-              <a:buFont typeface="Arial" panose="020B0604020202020204" pitchFamily="34" charset="0"/>
-              <a:buNone/>
-              <a:defRPr sz="1800" kern="1200">
-                <a:solidFill>
-                  <a:schemeClr val="tx1"/>
-                </a:solidFill>
-                <a:latin typeface="+mn-lt"/>
-                <a:ea typeface="+mn-ea"/>
-                <a:cs typeface="+mn-cs"/>
-              </a:defRPr>
-            </a:lvl3pPr>
-            <a:lvl4pPr marL="1371600" indent="0" algn="ctr" defTabSz="914400" rtl="0" eaLnBrk="1" latinLnBrk="0" hangingPunct="1">
-              <a:lnSpc>
-                <a:spcPct val="90000"/>
-              </a:lnSpc>
-              <a:spcBef>
-                <a:spcPts val="500"/>
-              </a:spcBef>
-              <a:buFont typeface="Arial" panose="020B0604020202020204" pitchFamily="34" charset="0"/>
-              <a:buNone/>
-              <a:defRPr sz="1600" kern="1200">
-                <a:solidFill>
-                  <a:schemeClr val="tx1"/>
-                </a:solidFill>
-                <a:latin typeface="+mn-lt"/>
-                <a:ea typeface="+mn-ea"/>
-                <a:cs typeface="+mn-cs"/>
-              </a:defRPr>
-            </a:lvl4pPr>
-            <a:lvl5pPr marL="1828800" indent="0" algn="ctr" defTabSz="914400" rtl="0" eaLnBrk="1" latinLnBrk="0" hangingPunct="1">
-              <a:lnSpc>
-                <a:spcPct val="90000"/>
-              </a:lnSpc>
-              <a:spcBef>
-                <a:spcPts val="500"/>
-              </a:spcBef>
-              <a:buFont typeface="Arial" panose="020B0604020202020204" pitchFamily="34" charset="0"/>
-              <a:buNone/>
-              <a:defRPr sz="1600" kern="1200">
-                <a:solidFill>
-                  <a:schemeClr val="tx1"/>
-                </a:solidFill>
-                <a:latin typeface="+mn-lt"/>
-                <a:ea typeface="+mn-ea"/>
-                <a:cs typeface="+mn-cs"/>
-              </a:defRPr>
-            </a:lvl5pPr>
-            <a:lvl6pPr marL="2286000" indent="0" algn="ctr" defTabSz="914400" rtl="0" eaLnBrk="1" latinLnBrk="0" hangingPunct="1">
-              <a:lnSpc>
-                <a:spcPct val="90000"/>
-              </a:lnSpc>
-              <a:spcBef>
-                <a:spcPts val="500"/>
-              </a:spcBef>
-              <a:buFont typeface="Arial" panose="020B0604020202020204" pitchFamily="34" charset="0"/>
-              <a:buNone/>
-              <a:defRPr sz="1600" kern="1200">
-                <a:solidFill>
-                  <a:schemeClr val="tx1"/>
-                </a:solidFill>
-                <a:latin typeface="+mn-lt"/>
-                <a:ea typeface="+mn-ea"/>
-                <a:cs typeface="+mn-cs"/>
-              </a:defRPr>
-            </a:lvl6pPr>
-            <a:lvl7pPr marL="2743200" indent="0" algn="ctr" defTabSz="914400" rtl="0" eaLnBrk="1" latinLnBrk="0" hangingPunct="1">
-              <a:lnSpc>
-                <a:spcPct val="90000"/>
-              </a:lnSpc>
-              <a:spcBef>
-                <a:spcPts val="500"/>
-              </a:spcBef>
-              <a:buFont typeface="Arial" panose="020B0604020202020204" pitchFamily="34" charset="0"/>
-              <a:buNone/>
-              <a:defRPr sz="1600" kern="1200">
-                <a:solidFill>
-                  <a:schemeClr val="tx1"/>
-                </a:solidFill>
-                <a:latin typeface="+mn-lt"/>
-                <a:ea typeface="+mn-ea"/>
-                <a:cs typeface="+mn-cs"/>
-              </a:defRPr>
-            </a:lvl7pPr>
-            <a:lvl8pPr marL="3200400" indent="0" algn="ctr" defTabSz="914400" rtl="0" eaLnBrk="1" latinLnBrk="0" hangingPunct="1">
-              <a:lnSpc>
-                <a:spcPct val="90000"/>
-              </a:lnSpc>
-              <a:spcBef>
-                <a:spcPts val="500"/>
-              </a:spcBef>
-              <a:buFont typeface="Arial" panose="020B0604020202020204" pitchFamily="34" charset="0"/>
-              <a:buNone/>
-              <a:defRPr sz="1600" kern="1200">
-                <a:solidFill>
-                  <a:schemeClr val="tx1"/>
-                </a:solidFill>
-                <a:latin typeface="+mn-lt"/>
-                <a:ea typeface="+mn-ea"/>
-                <a:cs typeface="+mn-cs"/>
-              </a:defRPr>
-            </a:lvl8pPr>
-            <a:lvl9pPr marL="3657600" indent="0" algn="ctr" defTabSz="914400" rtl="0" eaLnBrk="1" latinLnBrk="0" hangingPunct="1">
-              <a:lnSpc>
-                <a:spcPct val="90000"/>
-              </a:lnSpc>
-              <a:spcBef>
-                <a:spcPts val="500"/>
-              </a:spcBef>
-              <a:buFont typeface="Arial" panose="020B0604020202020204" pitchFamily="34" charset="0"/>
-              <a:buNone/>
-              <a:defRPr sz="1600" kern="1200">
-                <a:solidFill>
-                  <a:schemeClr val="tx1"/>
-                </a:solidFill>
-                <a:latin typeface="+mn-lt"/>
-                <a:ea typeface="+mn-ea"/>
-                <a:cs typeface="+mn-cs"/>
-              </a:defRPr>
-            </a:lvl9pPr>
-          </a:lstStyle>
-          <a:p>
-            <a:pPr algn="l">
-              <a:lnSpc>
-                <a:spcPct val="100000"/>
-              </a:lnSpc>
-            </a:pPr>
-            <a:r>
-              <a:rPr lang="en-US" sz="800" dirty="0"/>
-              <a:t>Health Insurance Policy Entity:</a:t>
-            </a:r>
-          </a:p>
-          <a:p>
-            <a:pPr algn="l">
-              <a:lnSpc>
-                <a:spcPct val="100000"/>
-              </a:lnSpc>
-            </a:pPr>
-            <a:endParaRPr lang="en-US" sz="800" dirty="0"/>
-          </a:p>
-          <a:p>
-            <a:pPr algn="l">
-              <a:lnSpc>
-                <a:spcPct val="100000"/>
-              </a:lnSpc>
-            </a:pPr>
-            <a:r>
-              <a:rPr lang="en-US" sz="800" dirty="0" err="1"/>
-              <a:t>Policy_ID</a:t>
-            </a:r>
-            <a:r>
-              <a:rPr lang="en-US" sz="800" dirty="0"/>
-              <a:t> (Key): Unique identifier for each health insurance policy.</a:t>
-            </a:r>
-          </a:p>
-          <a:p>
-            <a:pPr algn="l">
-              <a:lnSpc>
-                <a:spcPct val="100000"/>
-              </a:lnSpc>
-            </a:pPr>
-            <a:r>
-              <a:rPr lang="en-US" sz="800" dirty="0" err="1"/>
-              <a:t>Policy_Number</a:t>
-            </a:r>
-            <a:r>
-              <a:rPr lang="en-US" sz="800" dirty="0"/>
-              <a:t>: Policy number associated with the insurance policy.</a:t>
-            </a:r>
-          </a:p>
-          <a:p>
-            <a:pPr algn="l">
-              <a:lnSpc>
-                <a:spcPct val="100000"/>
-              </a:lnSpc>
-            </a:pPr>
-            <a:r>
-              <a:rPr lang="en-US" sz="800" dirty="0" err="1"/>
-              <a:t>Insurance_Company</a:t>
-            </a:r>
-            <a:r>
-              <a:rPr lang="en-US" sz="800" dirty="0"/>
-              <a:t>: Name of the insurance company providing the policy.</a:t>
-            </a:r>
-          </a:p>
-          <a:p>
-            <a:pPr algn="l">
-              <a:lnSpc>
-                <a:spcPct val="100000"/>
-              </a:lnSpc>
-            </a:pPr>
-            <a:r>
-              <a:rPr lang="en-US" sz="800" dirty="0" err="1"/>
-              <a:t>Coverage_Type</a:t>
-            </a:r>
-            <a:r>
-              <a:rPr lang="en-US" sz="800" dirty="0"/>
-              <a:t>: Type of coverage provided by the insurance policy (e.g., medical, dental).</a:t>
-            </a:r>
-          </a:p>
-          <a:p>
-            <a:pPr algn="l">
-              <a:lnSpc>
-                <a:spcPct val="100000"/>
-              </a:lnSpc>
-            </a:pPr>
-            <a:r>
-              <a:rPr lang="en-US" sz="800" dirty="0" err="1"/>
-              <a:t>Expiration_Date</a:t>
-            </a:r>
-            <a:r>
-              <a:rPr lang="en-US" sz="800" dirty="0"/>
-              <a:t>: Date when the insurance policy expires.</a:t>
-            </a:r>
-          </a:p>
-          <a:p>
-            <a:pPr algn="l">
-              <a:lnSpc>
-                <a:spcPct val="100000"/>
-              </a:lnSpc>
-            </a:pPr>
-            <a:r>
-              <a:rPr lang="en-US" sz="800" dirty="0" err="1"/>
-              <a:t>Premium_Amount</a:t>
-            </a:r>
-            <a:r>
-              <a:rPr lang="en-US" sz="800" dirty="0"/>
-              <a:t>: Amount paid by the patient as a premium for the policy.</a:t>
-            </a:r>
-          </a:p>
-          <a:p>
-            <a:pPr algn="l">
-              <a:lnSpc>
-                <a:spcPct val="100000"/>
-              </a:lnSpc>
-            </a:pPr>
-            <a:r>
-              <a:rPr lang="en-US" sz="800" dirty="0"/>
-              <a:t>Co-</a:t>
-            </a:r>
-            <a:r>
-              <a:rPr lang="en-US" sz="800" dirty="0" err="1"/>
-              <a:t>Pay_Amount</a:t>
-            </a:r>
-            <a:r>
-              <a:rPr lang="en-US" sz="800" dirty="0"/>
-              <a:t>: Fixed amount or percentage paid by the patient for each medical service.</a:t>
-            </a:r>
-          </a:p>
-          <a:p>
-            <a:pPr algn="l">
-              <a:lnSpc>
-                <a:spcPct val="100000"/>
-              </a:lnSpc>
-            </a:pPr>
-            <a:r>
-              <a:rPr lang="en-US" sz="800" dirty="0" err="1"/>
-              <a:t>Deductible_Amount</a:t>
-            </a:r>
-            <a:r>
-              <a:rPr lang="en-US" sz="800" dirty="0"/>
-              <a:t>: Amount that the patient must pay before the insurance coverage begins.</a:t>
-            </a:r>
-          </a:p>
-          <a:p>
-            <a:pPr algn="l">
-              <a:lnSpc>
-                <a:spcPct val="100000"/>
-              </a:lnSpc>
-            </a:pPr>
-            <a:r>
-              <a:rPr lang="en-US" sz="800" dirty="0"/>
-              <a:t>In-</a:t>
-            </a:r>
-            <a:r>
-              <a:rPr lang="en-US" sz="800" dirty="0" err="1"/>
-              <a:t>Network_Providers</a:t>
-            </a:r>
-            <a:r>
-              <a:rPr lang="en-US" sz="800" dirty="0"/>
-              <a:t>: List of healthcare providers or hospitals included in the insurance policy's network.</a:t>
-            </a:r>
-          </a:p>
-          <a:p>
-            <a:pPr algn="l">
-              <a:lnSpc>
-                <a:spcPct val="100000"/>
-              </a:lnSpc>
-            </a:pPr>
-            <a:r>
-              <a:rPr lang="en-US" sz="800" dirty="0" err="1"/>
-              <a:t>Policy_Holder</a:t>
-            </a:r>
-            <a:r>
-              <a:rPr lang="en-US" sz="800" dirty="0"/>
-              <a:t>: Name of the policy holder or primary insured person.</a:t>
-            </a:r>
-          </a:p>
-          <a:p>
-            <a:pPr algn="l">
-              <a:lnSpc>
-                <a:spcPct val="100000"/>
-              </a:lnSpc>
-            </a:pPr>
-            <a:r>
-              <a:rPr lang="en-US" sz="800" dirty="0"/>
-              <a:t>Transaction Entity:</a:t>
-            </a:r>
-          </a:p>
-          <a:p>
-            <a:pPr algn="l">
-              <a:lnSpc>
-                <a:spcPct val="100000"/>
-              </a:lnSpc>
-            </a:pPr>
-            <a:endParaRPr lang="en-US" sz="800" dirty="0"/>
-          </a:p>
-          <a:p>
-            <a:pPr algn="l">
-              <a:lnSpc>
-                <a:spcPct val="100000"/>
-              </a:lnSpc>
-            </a:pPr>
-            <a:r>
-              <a:rPr lang="en-US" sz="800" dirty="0" err="1"/>
-              <a:t>Transaction_ID</a:t>
-            </a:r>
-            <a:r>
-              <a:rPr lang="en-US" sz="800" dirty="0"/>
-              <a:t> (Key): Unique identifier for each transaction.</a:t>
-            </a:r>
-          </a:p>
-          <a:p>
-            <a:pPr algn="l">
-              <a:lnSpc>
-                <a:spcPct val="100000"/>
-              </a:lnSpc>
-            </a:pPr>
-            <a:r>
-              <a:rPr lang="en-US" sz="800" dirty="0"/>
-              <a:t>Amount: The amount involved in the transaction.</a:t>
-            </a:r>
-          </a:p>
-          <a:p>
-            <a:pPr algn="l">
-              <a:lnSpc>
-                <a:spcPct val="100000"/>
-              </a:lnSpc>
-            </a:pPr>
-            <a:r>
-              <a:rPr lang="en-US" sz="800" dirty="0" err="1"/>
-              <a:t>Transaction_Date</a:t>
-            </a:r>
-            <a:r>
-              <a:rPr lang="en-US" sz="800" dirty="0"/>
-              <a:t>: Date when the transaction occurred.</a:t>
-            </a:r>
-          </a:p>
-          <a:p>
-            <a:pPr algn="l">
-              <a:lnSpc>
-                <a:spcPct val="100000"/>
-              </a:lnSpc>
-            </a:pPr>
-            <a:r>
-              <a:rPr lang="en-US" sz="800" dirty="0"/>
-              <a:t>Description: Description or purpose of the transaction (e.g., medical bill payment, insurance claim).</a:t>
-            </a:r>
-          </a:p>
-          <a:p>
-            <a:pPr algn="l">
-              <a:lnSpc>
-                <a:spcPct val="100000"/>
-              </a:lnSpc>
-            </a:pPr>
-            <a:r>
-              <a:rPr lang="en-US" sz="800" dirty="0" err="1"/>
-              <a:t>Payment_Method</a:t>
-            </a:r>
-            <a:r>
-              <a:rPr lang="en-US" sz="800" dirty="0"/>
-              <a:t>: Method used for the transaction (e.g., cash, credit card, insurance reimbursement).</a:t>
-            </a:r>
-          </a:p>
-          <a:p>
-            <a:pPr algn="l">
-              <a:lnSpc>
-                <a:spcPct val="100000"/>
-              </a:lnSpc>
-            </a:pPr>
-            <a:r>
-              <a:rPr lang="en-US" sz="800" dirty="0"/>
-              <a:t>Provider: Name of the healthcare provider or hospital involved in the transaction.</a:t>
-            </a:r>
-          </a:p>
-          <a:p>
-            <a:pPr algn="l">
-              <a:lnSpc>
-                <a:spcPct val="100000"/>
-              </a:lnSpc>
-            </a:pPr>
-            <a:r>
-              <a:rPr lang="en-US" sz="800" dirty="0" err="1"/>
-              <a:t>Service_Type</a:t>
-            </a:r>
-            <a:r>
-              <a:rPr lang="en-US" sz="800" dirty="0"/>
-              <a:t>: Type of service or treatment for which the transaction is made.</a:t>
-            </a:r>
-          </a:p>
-          <a:p>
-            <a:pPr algn="l">
-              <a:lnSpc>
-                <a:spcPct val="100000"/>
-              </a:lnSpc>
-            </a:pPr>
-            <a:r>
-              <a:rPr lang="en-US" sz="800" dirty="0" err="1"/>
-              <a:t>Coverage_Amount</a:t>
-            </a:r>
-            <a:r>
-              <a:rPr lang="en-US" sz="800" dirty="0"/>
-              <a:t>: Amount covered by the insurance policy for the transaction.</a:t>
-            </a:r>
-          </a:p>
-          <a:p>
-            <a:pPr algn="l">
-              <a:lnSpc>
-                <a:spcPct val="100000"/>
-              </a:lnSpc>
-            </a:pPr>
-            <a:r>
-              <a:rPr lang="en-US" sz="800" dirty="0" err="1"/>
-              <a:t>Patient_Contribution</a:t>
-            </a:r>
-            <a:r>
-              <a:rPr lang="en-US" sz="800" dirty="0"/>
-              <a:t>: Amount paid by the patient as their portion of the transaction.</a:t>
-            </a:r>
-          </a:p>
-          <a:p>
-            <a:pPr algn="l">
-              <a:lnSpc>
-                <a:spcPct val="100000"/>
-              </a:lnSpc>
-            </a:pPr>
-            <a:r>
-              <a:rPr lang="en-US" sz="800" dirty="0" err="1"/>
-              <a:t>Authorization_Code</a:t>
-            </a:r>
-            <a:r>
-              <a:rPr lang="en-US" sz="800" dirty="0"/>
-              <a:t>: Code or reference number associated with the transaction authorization.</a:t>
-            </a:r>
-            <a:endParaRPr lang="en-IN" sz="800" dirty="0"/>
-          </a:p>
-        </p:txBody>
-      </p:sp>
-    </p:spTree>
-    <p:extLst>
-      <p:ext uri="{BB962C8B-B14F-4D97-AF65-F5344CB8AC3E}">
-        <p14:creationId xmlns:p14="http://schemas.microsoft.com/office/powerpoint/2010/main" val="2880644663"/>
       </p:ext>
     </p:extLst>
   </p:cSld>
